--- a/src/SE_glioma/Stimuli/Instructions_new_patient.pptx
+++ b/src/SE_glioma/Stimuli/Instructions_new_patient.pptx
@@ -230,7 +230,7 @@
           <a:p>
             <a:fld id="{457B588A-FAB3-4C3F-A999-7E77BA0B8118}" type="datetimeFigureOut">
               <a:rPr lang="en-GB" smtClean="0"/>
-              <a:t>24/11/2021</a:t>
+              <a:t>02/12/2021</a:t>
             </a:fld>
             <a:endParaRPr lang="en-GB"/>
           </a:p>
@@ -296,7 +296,7 @@
           <a:p>
             <a:fld id="{756993CC-A683-496E-881E-006544134775}" type="slidenum">
               <a:rPr lang="en-GB" smtClean="0"/>
-              <a:t>‹#›</a:t>
+              <a:t>‹N°›</a:t>
             </a:fld>
             <a:endParaRPr lang="en-GB"/>
           </a:p>
@@ -444,7 +444,7 @@
           <a:p>
             <a:fld id="{1C2A38D2-D57A-4E64-B95F-0826012D069A}" type="datetimeFigureOut">
               <a:rPr lang="en-GB" smtClean="0"/>
-              <a:t>24/11/2021</a:t>
+              <a:t>02/12/2021</a:t>
             </a:fld>
             <a:endParaRPr lang="en-GB" dirty="0"/>
           </a:p>
@@ -486,7 +486,7 @@
           <a:p>
             <a:fld id="{9D7F7A4F-C86B-4E97-8396-79EF10BBD040}" type="slidenum">
               <a:rPr lang="en-GB" smtClean="0"/>
-              <a:t>‹#›</a:t>
+              <a:t>‹N°›</a:t>
             </a:fld>
             <a:endParaRPr lang="en-GB" dirty="0"/>
           </a:p>
@@ -614,7 +614,7 @@
           <a:p>
             <a:fld id="{1C2A38D2-D57A-4E64-B95F-0826012D069A}" type="datetimeFigureOut">
               <a:rPr lang="en-GB" smtClean="0"/>
-              <a:t>24/11/2021</a:t>
+              <a:t>02/12/2021</a:t>
             </a:fld>
             <a:endParaRPr lang="en-GB" dirty="0"/>
           </a:p>
@@ -656,7 +656,7 @@
           <a:p>
             <a:fld id="{9D7F7A4F-C86B-4E97-8396-79EF10BBD040}" type="slidenum">
               <a:rPr lang="en-GB" smtClean="0"/>
-              <a:t>‹#›</a:t>
+              <a:t>‹N°›</a:t>
             </a:fld>
             <a:endParaRPr lang="en-GB" dirty="0"/>
           </a:p>
@@ -794,7 +794,7 @@
           <a:p>
             <a:fld id="{1C2A38D2-D57A-4E64-B95F-0826012D069A}" type="datetimeFigureOut">
               <a:rPr lang="en-GB" smtClean="0"/>
-              <a:t>24/11/2021</a:t>
+              <a:t>02/12/2021</a:t>
             </a:fld>
             <a:endParaRPr lang="en-GB" dirty="0"/>
           </a:p>
@@ -836,7 +836,7 @@
           <a:p>
             <a:fld id="{9D7F7A4F-C86B-4E97-8396-79EF10BBD040}" type="slidenum">
               <a:rPr lang="en-GB" smtClean="0"/>
-              <a:t>‹#›</a:t>
+              <a:t>‹N°›</a:t>
             </a:fld>
             <a:endParaRPr lang="en-GB" dirty="0"/>
           </a:p>
@@ -964,7 +964,7 @@
           <a:p>
             <a:fld id="{1C2A38D2-D57A-4E64-B95F-0826012D069A}" type="datetimeFigureOut">
               <a:rPr lang="en-GB" smtClean="0"/>
-              <a:t>24/11/2021</a:t>
+              <a:t>02/12/2021</a:t>
             </a:fld>
             <a:endParaRPr lang="en-GB" dirty="0"/>
           </a:p>
@@ -1006,7 +1006,7 @@
           <a:p>
             <a:fld id="{9D7F7A4F-C86B-4E97-8396-79EF10BBD040}" type="slidenum">
               <a:rPr lang="en-GB" smtClean="0"/>
-              <a:t>‹#›</a:t>
+              <a:t>‹N°›</a:t>
             </a:fld>
             <a:endParaRPr lang="en-GB" dirty="0"/>
           </a:p>
@@ -1210,7 +1210,7 @@
           <a:p>
             <a:fld id="{1C2A38D2-D57A-4E64-B95F-0826012D069A}" type="datetimeFigureOut">
               <a:rPr lang="en-GB" smtClean="0"/>
-              <a:t>24/11/2021</a:t>
+              <a:t>02/12/2021</a:t>
             </a:fld>
             <a:endParaRPr lang="en-GB" dirty="0"/>
           </a:p>
@@ -1252,7 +1252,7 @@
           <a:p>
             <a:fld id="{9D7F7A4F-C86B-4E97-8396-79EF10BBD040}" type="slidenum">
               <a:rPr lang="en-GB" smtClean="0"/>
-              <a:t>‹#›</a:t>
+              <a:t>‹N°›</a:t>
             </a:fld>
             <a:endParaRPr lang="en-GB" dirty="0"/>
           </a:p>
@@ -1442,7 +1442,7 @@
           <a:p>
             <a:fld id="{1C2A38D2-D57A-4E64-B95F-0826012D069A}" type="datetimeFigureOut">
               <a:rPr lang="en-GB" smtClean="0"/>
-              <a:t>24/11/2021</a:t>
+              <a:t>02/12/2021</a:t>
             </a:fld>
             <a:endParaRPr lang="en-GB" dirty="0"/>
           </a:p>
@@ -1484,7 +1484,7 @@
           <a:p>
             <a:fld id="{9D7F7A4F-C86B-4E97-8396-79EF10BBD040}" type="slidenum">
               <a:rPr lang="en-GB" smtClean="0"/>
-              <a:t>‹#›</a:t>
+              <a:t>‹N°›</a:t>
             </a:fld>
             <a:endParaRPr lang="en-GB" dirty="0"/>
           </a:p>
@@ -1809,7 +1809,7 @@
           <a:p>
             <a:fld id="{1C2A38D2-D57A-4E64-B95F-0826012D069A}" type="datetimeFigureOut">
               <a:rPr lang="en-GB" smtClean="0"/>
-              <a:t>24/11/2021</a:t>
+              <a:t>02/12/2021</a:t>
             </a:fld>
             <a:endParaRPr lang="en-GB" dirty="0"/>
           </a:p>
@@ -1851,7 +1851,7 @@
           <a:p>
             <a:fld id="{9D7F7A4F-C86B-4E97-8396-79EF10BBD040}" type="slidenum">
               <a:rPr lang="en-GB" smtClean="0"/>
-              <a:t>‹#›</a:t>
+              <a:t>‹N°›</a:t>
             </a:fld>
             <a:endParaRPr lang="en-GB" dirty="0"/>
           </a:p>
@@ -1927,7 +1927,7 @@
           <a:p>
             <a:fld id="{1C2A38D2-D57A-4E64-B95F-0826012D069A}" type="datetimeFigureOut">
               <a:rPr lang="en-GB" smtClean="0"/>
-              <a:t>24/11/2021</a:t>
+              <a:t>02/12/2021</a:t>
             </a:fld>
             <a:endParaRPr lang="en-GB" dirty="0"/>
           </a:p>
@@ -1969,7 +1969,7 @@
           <a:p>
             <a:fld id="{9D7F7A4F-C86B-4E97-8396-79EF10BBD040}" type="slidenum">
               <a:rPr lang="en-GB" smtClean="0"/>
-              <a:t>‹#›</a:t>
+              <a:t>‹N°›</a:t>
             </a:fld>
             <a:endParaRPr lang="en-GB" dirty="0"/>
           </a:p>
@@ -2022,7 +2022,7 @@
           <a:p>
             <a:fld id="{1C2A38D2-D57A-4E64-B95F-0826012D069A}" type="datetimeFigureOut">
               <a:rPr lang="en-GB" smtClean="0"/>
-              <a:t>24/11/2021</a:t>
+              <a:t>02/12/2021</a:t>
             </a:fld>
             <a:endParaRPr lang="en-GB" dirty="0"/>
           </a:p>
@@ -2064,7 +2064,7 @@
           <a:p>
             <a:fld id="{9D7F7A4F-C86B-4E97-8396-79EF10BBD040}" type="slidenum">
               <a:rPr lang="en-GB" smtClean="0"/>
-              <a:t>‹#›</a:t>
+              <a:t>‹N°›</a:t>
             </a:fld>
             <a:endParaRPr lang="en-GB" dirty="0"/>
           </a:p>
@@ -2299,7 +2299,7 @@
           <a:p>
             <a:fld id="{1C2A38D2-D57A-4E64-B95F-0826012D069A}" type="datetimeFigureOut">
               <a:rPr lang="en-GB" smtClean="0"/>
-              <a:t>24/11/2021</a:t>
+              <a:t>02/12/2021</a:t>
             </a:fld>
             <a:endParaRPr lang="en-GB" dirty="0"/>
           </a:p>
@@ -2341,7 +2341,7 @@
           <a:p>
             <a:fld id="{9D7F7A4F-C86B-4E97-8396-79EF10BBD040}" type="slidenum">
               <a:rPr lang="en-GB" smtClean="0"/>
-              <a:t>‹#›</a:t>
+              <a:t>‹N°›</a:t>
             </a:fld>
             <a:endParaRPr lang="en-GB" dirty="0"/>
           </a:p>
@@ -2552,7 +2552,7 @@
           <a:p>
             <a:fld id="{1C2A38D2-D57A-4E64-B95F-0826012D069A}" type="datetimeFigureOut">
               <a:rPr lang="en-GB" smtClean="0"/>
-              <a:t>24/11/2021</a:t>
+              <a:t>02/12/2021</a:t>
             </a:fld>
             <a:endParaRPr lang="en-GB" dirty="0"/>
           </a:p>
@@ -2594,7 +2594,7 @@
           <a:p>
             <a:fld id="{9D7F7A4F-C86B-4E97-8396-79EF10BBD040}" type="slidenum">
               <a:rPr lang="en-GB" smtClean="0"/>
-              <a:t>‹#›</a:t>
+              <a:t>‹N°›</a:t>
             </a:fld>
             <a:endParaRPr lang="en-GB" dirty="0"/>
           </a:p>
@@ -2765,7 +2765,7 @@
           <a:p>
             <a:fld id="{1C2A38D2-D57A-4E64-B95F-0826012D069A}" type="datetimeFigureOut">
               <a:rPr lang="en-GB" smtClean="0"/>
-              <a:t>24/11/2021</a:t>
+              <a:t>02/12/2021</a:t>
             </a:fld>
             <a:endParaRPr lang="en-GB" dirty="0"/>
           </a:p>
@@ -2843,7 +2843,7 @@
           <a:p>
             <a:fld id="{9D7F7A4F-C86B-4E97-8396-79EF10BBD040}" type="slidenum">
               <a:rPr lang="en-GB" smtClean="0"/>
-              <a:t>‹#›</a:t>
+              <a:t>‹N°›</a:t>
             </a:fld>
             <a:endParaRPr lang="en-GB" dirty="0"/>
           </a:p>
@@ -3255,11 +3255,11 @@
               </a:lnSpc>
             </a:pPr>
             <a:r>
-              <a:rPr lang="en-GB" sz="2400" dirty="0" err="1"/>
+              <a:rPr lang="en-GB" sz="2400" dirty="0" err="1" smtClean="0"/>
               <a:t>Veuillez</a:t>
             </a:r>
             <a:r>
-              <a:rPr lang="en-GB" sz="2400" dirty="0"/>
+              <a:rPr lang="en-GB" sz="2400" dirty="0" smtClean="0"/>
               <a:t> lire </a:t>
             </a:r>
             <a:r>

--- a/src/SE_glioma/Stimuli/Instructions_new_patient.pptx
+++ b/src/SE_glioma/Stimuli/Instructions_new_patient.pptx
@@ -3474,7 +3474,7 @@
               </a:spcAft>
             </a:pPr>
             <a:r>
-              <a:rPr lang="fr-FR" sz="2400" dirty="0"/>
+              <a:rPr lang="fr-FR" sz="2400" dirty="0" smtClean="0"/>
               <a:t>Si le score cible est élevé, vous aurez sûrement besoin de visualiser les chiffres de la grille un grand nombre de fois.</a:t>
             </a:r>
           </a:p>
@@ -3485,9 +3485,10 @@
               </a:spcAft>
             </a:pPr>
             <a:r>
-              <a:rPr lang="fr-FR" sz="2400" dirty="0"/>
+              <a:rPr lang="fr-FR" sz="2400" dirty="0" smtClean="0"/>
               <a:t>Vous pourrez déplacer la barre vers la gauche et la droite en utilisant respectivement les flèches gauche et droite du clavier:</a:t>
             </a:r>
+            <a:endParaRPr lang="fr-FR" sz="2400" dirty="0"/>
           </a:p>
         </p:txBody>
       </p:sp>
@@ -9290,7 +9291,15 @@
             </a:pPr>
             <a:r>
               <a:rPr lang="fr-FR" sz="2400" dirty="0"/>
-              <a:t>Sinon, vous pourrez cliquer sur le bouton « Non » et passer à</a:t>
+              <a:t>Sinon, vous pourrez </a:t>
+            </a:r>
+            <a:r>
+              <a:rPr lang="fr-FR" sz="2400" dirty="0" smtClean="0"/>
+              <a:t>cliquez </a:t>
+            </a:r>
+            <a:r>
+              <a:rPr lang="fr-FR" sz="2400" dirty="0"/>
+              <a:t>sur le bouton « Non » et passer à</a:t>
             </a:r>
             <a:r>
               <a:rPr lang="en-GB" sz="2400" dirty="0"/>
@@ -10446,7 +10455,15 @@
             </a:pPr>
             <a:r>
               <a:rPr lang="fr-FR" sz="2400" dirty="0"/>
-              <a:t>Vous pourrez alors cliquer sur le bouton « Montrez-moi la prochaine paire », en bas à gauche de la grille:</a:t>
+              <a:t>Vous pourrez alors cliquer sur le bouton « Montrez-moi la prochaine paire », en </a:t>
+            </a:r>
+            <a:r>
+              <a:rPr lang="fr-FR" sz="2400" dirty="0" smtClean="0"/>
+              <a:t>bas de </a:t>
+            </a:r>
+            <a:r>
+              <a:rPr lang="fr-FR" sz="2400" dirty="0"/>
+              <a:t>la grille:</a:t>
             </a:r>
             <a:endParaRPr lang="fr-FR" sz="2400" b="1" dirty="0"/>
           </a:p>
@@ -13722,7 +13739,11 @@
               </a:r>
               <a:r>
                 <a:rPr lang="en-GB" sz="2400" dirty="0"/>
-                <a:t> 12 </a:t>
+                <a:t> </a:t>
+              </a:r>
+              <a:r>
+                <a:rPr lang="en-GB" sz="2400" dirty="0" smtClean="0"/>
+                <a:t>25 </a:t>
               </a:r>
               <a:r>
                 <a:rPr lang="en-GB" sz="2400" dirty="0" err="1"/>
@@ -13833,67 +13854,67 @@
             <a:p>
               <a:pPr algn="ctr"/>
               <a:r>
-                <a:rPr lang="en-GB" sz="2400" dirty="0" err="1"/>
+                <a:rPr lang="en-GB" sz="2400" dirty="0" err="1" smtClean="0"/>
                 <a:t>Relisez</a:t>
               </a:r>
               <a:r>
-                <a:rPr lang="en-GB" sz="2400" dirty="0"/>
+                <a:rPr lang="en-GB" sz="2400" dirty="0" smtClean="0"/>
                 <a:t> </a:t>
               </a:r>
               <a:r>
-                <a:rPr lang="en-GB" sz="2400" dirty="0" err="1"/>
+                <a:rPr lang="en-GB" sz="2400" dirty="0" err="1" smtClean="0"/>
                 <a:t>ces</a:t>
               </a:r>
               <a:r>
-                <a:rPr lang="en-GB" sz="2400" dirty="0"/>
+                <a:rPr lang="en-GB" sz="2400" dirty="0" smtClean="0"/>
                 <a:t> instructions </a:t>
               </a:r>
               <a:r>
-                <a:rPr lang="en-GB" sz="2400" dirty="0" err="1"/>
+                <a:rPr lang="en-GB" sz="2400" dirty="0" err="1" smtClean="0"/>
                 <a:t>jusqu’à</a:t>
               </a:r>
               <a:r>
-                <a:rPr lang="en-GB" sz="2400" dirty="0"/>
+                <a:rPr lang="en-GB" sz="2400" dirty="0" smtClean="0"/>
                 <a:t> </a:t>
               </a:r>
               <a:r>
-                <a:rPr lang="en-GB" sz="2400" dirty="0" err="1"/>
+                <a:rPr lang="en-GB" sz="2400" dirty="0" err="1" smtClean="0"/>
                 <a:t>ce</a:t>
               </a:r>
               <a:r>
-                <a:rPr lang="en-GB" sz="2400" dirty="0"/>
+                <a:rPr lang="en-GB" sz="2400" dirty="0" smtClean="0"/>
                 <a:t> </a:t>
               </a:r>
               <a:r>
-                <a:rPr lang="en-GB" sz="2400" dirty="0" err="1"/>
+                <a:rPr lang="en-GB" sz="2400" dirty="0" err="1" smtClean="0"/>
                 <a:t>qu’elles</a:t>
               </a:r>
               <a:r>
-                <a:rPr lang="en-GB" sz="2400" dirty="0"/>
+                <a:rPr lang="en-GB" sz="2400" dirty="0" smtClean="0"/>
                 <a:t> </a:t>
               </a:r>
               <a:r>
-                <a:rPr lang="en-GB" sz="2400" dirty="0" err="1"/>
+                <a:rPr lang="en-GB" sz="2400" dirty="0" err="1" smtClean="0"/>
                 <a:t>soient</a:t>
               </a:r>
               <a:r>
-                <a:rPr lang="en-GB" sz="2400" dirty="0"/>
+                <a:rPr lang="en-GB" sz="2400" dirty="0" smtClean="0"/>
                 <a:t> </a:t>
               </a:r>
               <a:r>
-                <a:rPr lang="en-GB" sz="2400" dirty="0" err="1"/>
+                <a:rPr lang="en-GB" sz="2400" dirty="0" err="1" smtClean="0"/>
                 <a:t>parfaitement</a:t>
               </a:r>
               <a:r>
-                <a:rPr lang="en-GB" sz="2400" dirty="0"/>
+                <a:rPr lang="en-GB" sz="2400" dirty="0" smtClean="0"/>
                 <a:t> </a:t>
               </a:r>
               <a:r>
-                <a:rPr lang="en-GB" sz="2400" dirty="0" err="1"/>
+                <a:rPr lang="en-GB" sz="2400" dirty="0" err="1" smtClean="0"/>
                 <a:t>claires</a:t>
               </a:r>
               <a:r>
-                <a:rPr lang="en-GB" sz="2400" dirty="0"/>
+                <a:rPr lang="en-GB" sz="2400" dirty="0" smtClean="0"/>
                 <a:t>.</a:t>
               </a:r>
             </a:p>
@@ -14148,8 +14169,13 @@
             </a:pPr>
             <a:r>
               <a:rPr lang="fr-FR" sz="2400" dirty="0"/>
-              <a:t>Nous vous montrerons la grille une fois et puis nous vous demanderons d’imaginer combien d’effort cela vous demanderait pour atteindre différents scores.</a:t>
-            </a:r>
+              <a:t>Nous vous montrerons la grille une fois et puis nous vous demanderons d’imaginer combien d’effort cela vous demanderait pour atteindre différents scores</a:t>
+            </a:r>
+            <a:r>
+              <a:rPr lang="fr-FR" sz="2400" dirty="0" smtClean="0"/>
+              <a:t>.</a:t>
+            </a:r>
+            <a:endParaRPr lang="fr-FR" sz="2400" dirty="0"/>
           </a:p>
           <a:p>
             <a:pPr algn="ctr">

--- a/src/SE_glioma/Stimuli/Instructions_new_patient.pptx
+++ b/src/SE_glioma/Stimuli/Instructions_new_patient.pptx
@@ -5,7 +5,7 @@
     <p:sldMasterId id="2147483648" r:id="rId1"/>
   </p:sldMasterIdLst>
   <p:handoutMasterIdLst>
-    <p:handoutMasterId r:id="rId36"/>
+    <p:handoutMasterId r:id="rId35"/>
   </p:handoutMasterIdLst>
   <p:sldIdLst>
     <p:sldId id="256" r:id="rId2"/>
@@ -41,7 +41,6 @@
     <p:sldId id="304" r:id="rId32"/>
     <p:sldId id="306" r:id="rId33"/>
     <p:sldId id="267" r:id="rId34"/>
-    <p:sldId id="316" r:id="rId35"/>
   </p:sldIdLst>
   <p:sldSz cx="12192000" cy="6858000"/>
   <p:notesSz cx="6858000" cy="9144000"/>
@@ -230,7 +229,7 @@
           <a:p>
             <a:fld id="{457B588A-FAB3-4C3F-A999-7E77BA0B8118}" type="datetimeFigureOut">
               <a:rPr lang="en-GB" smtClean="0"/>
-              <a:t>02/12/2021</a:t>
+              <a:t>03/12/2021</a:t>
             </a:fld>
             <a:endParaRPr lang="en-GB"/>
           </a:p>
@@ -444,7 +443,7 @@
           <a:p>
             <a:fld id="{1C2A38D2-D57A-4E64-B95F-0826012D069A}" type="datetimeFigureOut">
               <a:rPr lang="en-GB" smtClean="0"/>
-              <a:t>02/12/2021</a:t>
+              <a:t>03/12/2021</a:t>
             </a:fld>
             <a:endParaRPr lang="en-GB" dirty="0"/>
           </a:p>
@@ -614,7 +613,7 @@
           <a:p>
             <a:fld id="{1C2A38D2-D57A-4E64-B95F-0826012D069A}" type="datetimeFigureOut">
               <a:rPr lang="en-GB" smtClean="0"/>
-              <a:t>02/12/2021</a:t>
+              <a:t>03/12/2021</a:t>
             </a:fld>
             <a:endParaRPr lang="en-GB" dirty="0"/>
           </a:p>
@@ -794,7 +793,7 @@
           <a:p>
             <a:fld id="{1C2A38D2-D57A-4E64-B95F-0826012D069A}" type="datetimeFigureOut">
               <a:rPr lang="en-GB" smtClean="0"/>
-              <a:t>02/12/2021</a:t>
+              <a:t>03/12/2021</a:t>
             </a:fld>
             <a:endParaRPr lang="en-GB" dirty="0"/>
           </a:p>
@@ -964,7 +963,7 @@
           <a:p>
             <a:fld id="{1C2A38D2-D57A-4E64-B95F-0826012D069A}" type="datetimeFigureOut">
               <a:rPr lang="en-GB" smtClean="0"/>
-              <a:t>02/12/2021</a:t>
+              <a:t>03/12/2021</a:t>
             </a:fld>
             <a:endParaRPr lang="en-GB" dirty="0"/>
           </a:p>
@@ -1210,7 +1209,7 @@
           <a:p>
             <a:fld id="{1C2A38D2-D57A-4E64-B95F-0826012D069A}" type="datetimeFigureOut">
               <a:rPr lang="en-GB" smtClean="0"/>
-              <a:t>02/12/2021</a:t>
+              <a:t>03/12/2021</a:t>
             </a:fld>
             <a:endParaRPr lang="en-GB" dirty="0"/>
           </a:p>
@@ -1442,7 +1441,7 @@
           <a:p>
             <a:fld id="{1C2A38D2-D57A-4E64-B95F-0826012D069A}" type="datetimeFigureOut">
               <a:rPr lang="en-GB" smtClean="0"/>
-              <a:t>02/12/2021</a:t>
+              <a:t>03/12/2021</a:t>
             </a:fld>
             <a:endParaRPr lang="en-GB" dirty="0"/>
           </a:p>
@@ -1809,7 +1808,7 @@
           <a:p>
             <a:fld id="{1C2A38D2-D57A-4E64-B95F-0826012D069A}" type="datetimeFigureOut">
               <a:rPr lang="en-GB" smtClean="0"/>
-              <a:t>02/12/2021</a:t>
+              <a:t>03/12/2021</a:t>
             </a:fld>
             <a:endParaRPr lang="en-GB" dirty="0"/>
           </a:p>
@@ -1927,7 +1926,7 @@
           <a:p>
             <a:fld id="{1C2A38D2-D57A-4E64-B95F-0826012D069A}" type="datetimeFigureOut">
               <a:rPr lang="en-GB" smtClean="0"/>
-              <a:t>02/12/2021</a:t>
+              <a:t>03/12/2021</a:t>
             </a:fld>
             <a:endParaRPr lang="en-GB" dirty="0"/>
           </a:p>
@@ -2022,7 +2021,7 @@
           <a:p>
             <a:fld id="{1C2A38D2-D57A-4E64-B95F-0826012D069A}" type="datetimeFigureOut">
               <a:rPr lang="en-GB" smtClean="0"/>
-              <a:t>02/12/2021</a:t>
+              <a:t>03/12/2021</a:t>
             </a:fld>
             <a:endParaRPr lang="en-GB" dirty="0"/>
           </a:p>
@@ -2299,7 +2298,7 @@
           <a:p>
             <a:fld id="{1C2A38D2-D57A-4E64-B95F-0826012D069A}" type="datetimeFigureOut">
               <a:rPr lang="en-GB" smtClean="0"/>
-              <a:t>02/12/2021</a:t>
+              <a:t>03/12/2021</a:t>
             </a:fld>
             <a:endParaRPr lang="en-GB" dirty="0"/>
           </a:p>
@@ -2552,7 +2551,7 @@
           <a:p>
             <a:fld id="{1C2A38D2-D57A-4E64-B95F-0826012D069A}" type="datetimeFigureOut">
               <a:rPr lang="en-GB" smtClean="0"/>
-              <a:t>02/12/2021</a:t>
+              <a:t>03/12/2021</a:t>
             </a:fld>
             <a:endParaRPr lang="en-GB" dirty="0"/>
           </a:p>
@@ -2765,7 +2764,7 @@
           <a:p>
             <a:fld id="{1C2A38D2-D57A-4E64-B95F-0826012D069A}" type="datetimeFigureOut">
               <a:rPr lang="en-GB" smtClean="0"/>
-              <a:t>02/12/2021</a:t>
+              <a:t>03/12/2021</a:t>
             </a:fld>
             <a:endParaRPr lang="en-GB" dirty="0"/>
           </a:p>
@@ -13754,13 +13753,14 @@
                 <a:t> de </a:t>
               </a:r>
               <a:r>
-                <a:rPr lang="en-GB" sz="2400" dirty="0" err="1"/>
-                <a:t>mémoire</a:t>
+                <a:rPr lang="en-GB" sz="2400" dirty="0" err="1" smtClean="0"/>
+                <a:t>mémorisation</a:t>
               </a:r>
               <a:r>
-                <a:rPr lang="en-GB" sz="2400" dirty="0"/>
+                <a:rPr lang="en-GB" sz="2400" dirty="0" smtClean="0"/>
                 <a:t>.</a:t>
               </a:r>
+              <a:endParaRPr lang="en-GB" sz="2400" dirty="0"/>
             </a:p>
             <a:p>
               <a:pPr algn="ctr"/>
@@ -13770,7 +13770,19 @@
               <a:pPr algn="ctr"/>
               <a:r>
                 <a:rPr lang="fr-FR" sz="2400" dirty="0"/>
-                <a:t>Chaque exercice de mémoire comprend 6 étapes :</a:t>
+                <a:t>Chaque exercice de </a:t>
+              </a:r>
+              <a:r>
+                <a:rPr lang="en-GB" sz="2400" dirty="0" err="1"/>
+                <a:t>mémorisation</a:t>
+              </a:r>
+              <a:r>
+                <a:rPr lang="fr-FR" sz="2400" dirty="0" smtClean="0"/>
+                <a:t> </a:t>
+              </a:r>
+              <a:r>
+                <a:rPr lang="fr-FR" sz="2400" dirty="0"/>
+                <a:t>comprend 6 étapes :</a:t>
               </a:r>
             </a:p>
             <a:p>
@@ -14023,205 +14035,6 @@
     <p:extLst>
       <p:ext uri="{BB962C8B-B14F-4D97-AF65-F5344CB8AC3E}">
         <p14:creationId xmlns:p14="http://schemas.microsoft.com/office/powerpoint/2010/main" val="2686243724"/>
-      </p:ext>
-    </p:extLst>
-  </p:cSld>
-  <p:clrMapOvr>
-    <a:masterClrMapping/>
-  </p:clrMapOvr>
-</p:sld>
-</file>
-
-<file path=ppt/slides/slide34.xml><?xml version="1.0" encoding="utf-8"?>
-<p:sld xmlns:a="http://schemas.openxmlformats.org/drawingml/2006/main" xmlns:r="http://schemas.openxmlformats.org/officeDocument/2006/relationships" xmlns:p="http://schemas.openxmlformats.org/presentationml/2006/main">
-  <p:cSld>
-    <p:spTree>
-      <p:nvGrpSpPr>
-        <p:cNvPr id="1" name=""/>
-        <p:cNvGrpSpPr/>
-        <p:nvPr/>
-      </p:nvGrpSpPr>
-      <p:grpSpPr>
-        <a:xfrm>
-          <a:off x="0" y="0"/>
-          <a:ext cx="0" cy="0"/>
-          <a:chOff x="0" y="0"/>
-          <a:chExt cx="0" cy="0"/>
-        </a:xfrm>
-      </p:grpSpPr>
-      <p:sp>
-        <p:nvSpPr>
-          <p:cNvPr id="5" name="ZoneTexte 4"/>
-          <p:cNvSpPr txBox="1"/>
-          <p:nvPr/>
-        </p:nvSpPr>
-        <p:spPr>
-          <a:xfrm>
-            <a:off x="3878093" y="379385"/>
-            <a:ext cx="4435815" cy="461665"/>
-          </a:xfrm>
-          <a:prstGeom prst="rect">
-            <a:avLst/>
-          </a:prstGeom>
-          <a:noFill/>
-          <a:ln>
-            <a:noFill/>
-          </a:ln>
-        </p:spPr>
-        <p:txBody>
-          <a:bodyPr wrap="square" rtlCol="0" anchor="ctr">
-            <a:spAutoFit/>
-          </a:bodyPr>
-          <a:lstStyle/>
-          <a:p>
-            <a:pPr algn="ctr">
-              <a:spcBef>
-                <a:spcPts val="1800"/>
-              </a:spcBef>
-              <a:spcAft>
-                <a:spcPts val="1800"/>
-              </a:spcAft>
-            </a:pPr>
-            <a:r>
-              <a:rPr lang="en-GB" sz="2400" b="1" dirty="0">
-                <a:solidFill>
-                  <a:srgbClr val="0070C0"/>
-                </a:solidFill>
-              </a:rPr>
-              <a:t>VOTRE CAPACITÉ INITIALE</a:t>
-            </a:r>
-          </a:p>
-        </p:txBody>
-      </p:sp>
-      <p:sp>
-        <p:nvSpPr>
-          <p:cNvPr id="6" name="ZoneTexte 5"/>
-          <p:cNvSpPr txBox="1"/>
-          <p:nvPr/>
-        </p:nvSpPr>
-        <p:spPr>
-          <a:xfrm>
-            <a:off x="1467086" y="2327905"/>
-            <a:ext cx="9257828" cy="2616101"/>
-          </a:xfrm>
-          <a:prstGeom prst="rect">
-            <a:avLst/>
-          </a:prstGeom>
-          <a:noFill/>
-        </p:spPr>
-        <p:txBody>
-          <a:bodyPr wrap="square" numCol="1" rtlCol="0">
-            <a:spAutoFit/>
-          </a:bodyPr>
-          <a:lstStyle/>
-          <a:p>
-            <a:pPr algn="ctr">
-              <a:spcAft>
-                <a:spcPts val="1200"/>
-              </a:spcAft>
-            </a:pPr>
-            <a:r>
-              <a:rPr lang="en-GB" sz="2400" dirty="0"/>
-              <a:t>Avant le premier </a:t>
-            </a:r>
-            <a:r>
-              <a:rPr lang="en-GB" sz="2400" dirty="0" err="1"/>
-              <a:t>exercice</a:t>
-            </a:r>
-            <a:r>
-              <a:rPr lang="en-GB" sz="2400" dirty="0"/>
-              <a:t>, nous </a:t>
-            </a:r>
-            <a:r>
-              <a:rPr lang="en-GB" sz="2400" dirty="0" err="1"/>
-              <a:t>voulons</a:t>
-            </a:r>
-            <a:r>
-              <a:rPr lang="en-GB" sz="2400" dirty="0"/>
-              <a:t> </a:t>
-            </a:r>
-            <a:r>
-              <a:rPr lang="en-GB" sz="2400" dirty="0" err="1"/>
-              <a:t>mesurer</a:t>
-            </a:r>
-            <a:r>
-              <a:rPr lang="en-GB" sz="2400" dirty="0"/>
-              <a:t> </a:t>
-            </a:r>
-            <a:r>
-              <a:rPr lang="fr-FR" sz="2400" dirty="0"/>
-              <a:t>votre capacité initiale à </a:t>
-            </a:r>
-            <a:r>
-              <a:rPr lang="fr-FR" sz="2400" dirty="0" err="1"/>
-              <a:t>auto-évaluer</a:t>
-            </a:r>
-            <a:r>
-              <a:rPr lang="fr-FR" sz="2400" dirty="0"/>
-              <a:t> correctement vos compétences mentales.</a:t>
-            </a:r>
-          </a:p>
-          <a:p>
-            <a:pPr algn="ctr">
-              <a:spcAft>
-                <a:spcPts val="1200"/>
-              </a:spcAft>
-            </a:pPr>
-            <a:r>
-              <a:rPr lang="fr-FR" sz="2400" dirty="0"/>
-              <a:t>Nous vous montrerons la grille une fois et puis nous vous demanderons d’imaginer combien d’effort cela vous demanderait pour atteindre différents scores</a:t>
-            </a:r>
-            <a:r>
-              <a:rPr lang="fr-FR" sz="2400" dirty="0" smtClean="0"/>
-              <a:t>.</a:t>
-            </a:r>
-            <a:endParaRPr lang="fr-FR" sz="2400" dirty="0"/>
-          </a:p>
-          <a:p>
-            <a:pPr algn="ctr">
-              <a:spcAft>
-                <a:spcPts val="1200"/>
-              </a:spcAft>
-            </a:pPr>
-            <a:r>
-              <a:rPr lang="en-GB" sz="2400" dirty="0" err="1"/>
-              <a:t>Vous</a:t>
-            </a:r>
-            <a:r>
-              <a:rPr lang="en-GB" sz="2400" dirty="0"/>
-              <a:t> </a:t>
-            </a:r>
-            <a:r>
-              <a:rPr lang="en-GB" sz="2400" dirty="0" err="1"/>
-              <a:t>êtes</a:t>
-            </a:r>
-            <a:r>
-              <a:rPr lang="en-GB" sz="2400" dirty="0"/>
-              <a:t> prêt(e)? </a:t>
-            </a:r>
-            <a:r>
-              <a:rPr lang="en-GB" sz="2400" dirty="0" err="1"/>
-              <a:t>Cest</a:t>
-            </a:r>
-            <a:r>
-              <a:rPr lang="en-GB" sz="2400" dirty="0"/>
-              <a:t> </a:t>
-            </a:r>
-            <a:r>
-              <a:rPr lang="en-GB" sz="2400" dirty="0" err="1"/>
-              <a:t>parti</a:t>
-            </a:r>
-            <a:r>
-              <a:rPr lang="en-GB" sz="2400" dirty="0"/>
-              <a:t>…</a:t>
-            </a:r>
-          </a:p>
-        </p:txBody>
-      </p:sp>
-    </p:spTree>
-    <p:extLst>
-      <p:ext uri="{BB962C8B-B14F-4D97-AF65-F5344CB8AC3E}">
-        <p14:creationId xmlns:p14="http://schemas.microsoft.com/office/powerpoint/2010/main" val="2216696504"/>
       </p:ext>
     </p:extLst>
   </p:cSld>

--- a/src/SE_glioma/Stimuli/Instructions_new_patient.pptx
+++ b/src/SE_glioma/Stimuli/Instructions_new_patient.pptx
@@ -5,7 +5,7 @@
     <p:sldMasterId id="2147483648" r:id="rId1"/>
   </p:sldMasterIdLst>
   <p:handoutMasterIdLst>
-    <p:handoutMasterId r:id="rId36"/>
+    <p:handoutMasterId r:id="rId35"/>
   </p:handoutMasterIdLst>
   <p:sldIdLst>
     <p:sldId id="256" r:id="rId2"/>
@@ -32,16 +32,15 @@
     <p:sldId id="293" r:id="rId23"/>
     <p:sldId id="294" r:id="rId24"/>
     <p:sldId id="296" r:id="rId25"/>
-    <p:sldId id="317" r:id="rId26"/>
-    <p:sldId id="297" r:id="rId27"/>
-    <p:sldId id="299" r:id="rId28"/>
-    <p:sldId id="303" r:id="rId29"/>
-    <p:sldId id="301" r:id="rId30"/>
-    <p:sldId id="300" r:id="rId31"/>
-    <p:sldId id="304" r:id="rId32"/>
-    <p:sldId id="306" r:id="rId33"/>
-    <p:sldId id="267" r:id="rId34"/>
-    <p:sldId id="316" r:id="rId35"/>
+    <p:sldId id="297" r:id="rId26"/>
+    <p:sldId id="299" r:id="rId27"/>
+    <p:sldId id="303" r:id="rId28"/>
+    <p:sldId id="301" r:id="rId29"/>
+    <p:sldId id="300" r:id="rId30"/>
+    <p:sldId id="304" r:id="rId31"/>
+    <p:sldId id="306" r:id="rId32"/>
+    <p:sldId id="267" r:id="rId33"/>
+    <p:sldId id="316" r:id="rId34"/>
   </p:sldIdLst>
   <p:sldSz cx="12192000" cy="6858000"/>
   <p:notesSz cx="6858000" cy="9144000"/>
@@ -230,7 +229,7 @@
           <a:p>
             <a:fld id="{457B588A-FAB3-4C3F-A999-7E77BA0B8118}" type="datetimeFigureOut">
               <a:rPr lang="en-GB" smtClean="0"/>
-              <a:t>24/11/2021</a:t>
+              <a:t>03/12/2021</a:t>
             </a:fld>
             <a:endParaRPr lang="en-GB"/>
           </a:p>
@@ -296,7 +295,7 @@
           <a:p>
             <a:fld id="{756993CC-A683-496E-881E-006544134775}" type="slidenum">
               <a:rPr lang="en-GB" smtClean="0"/>
-              <a:t>‹#›</a:t>
+              <a:t>‹N°›</a:t>
             </a:fld>
             <a:endParaRPr lang="en-GB"/>
           </a:p>
@@ -444,7 +443,7 @@
           <a:p>
             <a:fld id="{1C2A38D2-D57A-4E64-B95F-0826012D069A}" type="datetimeFigureOut">
               <a:rPr lang="en-GB" smtClean="0"/>
-              <a:t>24/11/2021</a:t>
+              <a:t>03/12/2021</a:t>
             </a:fld>
             <a:endParaRPr lang="en-GB" dirty="0"/>
           </a:p>
@@ -486,7 +485,7 @@
           <a:p>
             <a:fld id="{9D7F7A4F-C86B-4E97-8396-79EF10BBD040}" type="slidenum">
               <a:rPr lang="en-GB" smtClean="0"/>
-              <a:t>‹#›</a:t>
+              <a:t>‹N°›</a:t>
             </a:fld>
             <a:endParaRPr lang="en-GB" dirty="0"/>
           </a:p>
@@ -614,7 +613,7 @@
           <a:p>
             <a:fld id="{1C2A38D2-D57A-4E64-B95F-0826012D069A}" type="datetimeFigureOut">
               <a:rPr lang="en-GB" smtClean="0"/>
-              <a:t>24/11/2021</a:t>
+              <a:t>03/12/2021</a:t>
             </a:fld>
             <a:endParaRPr lang="en-GB" dirty="0"/>
           </a:p>
@@ -656,7 +655,7 @@
           <a:p>
             <a:fld id="{9D7F7A4F-C86B-4E97-8396-79EF10BBD040}" type="slidenum">
               <a:rPr lang="en-GB" smtClean="0"/>
-              <a:t>‹#›</a:t>
+              <a:t>‹N°›</a:t>
             </a:fld>
             <a:endParaRPr lang="en-GB" dirty="0"/>
           </a:p>
@@ -794,7 +793,7 @@
           <a:p>
             <a:fld id="{1C2A38D2-D57A-4E64-B95F-0826012D069A}" type="datetimeFigureOut">
               <a:rPr lang="en-GB" smtClean="0"/>
-              <a:t>24/11/2021</a:t>
+              <a:t>03/12/2021</a:t>
             </a:fld>
             <a:endParaRPr lang="en-GB" dirty="0"/>
           </a:p>
@@ -836,7 +835,7 @@
           <a:p>
             <a:fld id="{9D7F7A4F-C86B-4E97-8396-79EF10BBD040}" type="slidenum">
               <a:rPr lang="en-GB" smtClean="0"/>
-              <a:t>‹#›</a:t>
+              <a:t>‹N°›</a:t>
             </a:fld>
             <a:endParaRPr lang="en-GB" dirty="0"/>
           </a:p>
@@ -964,7 +963,7 @@
           <a:p>
             <a:fld id="{1C2A38D2-D57A-4E64-B95F-0826012D069A}" type="datetimeFigureOut">
               <a:rPr lang="en-GB" smtClean="0"/>
-              <a:t>24/11/2021</a:t>
+              <a:t>03/12/2021</a:t>
             </a:fld>
             <a:endParaRPr lang="en-GB" dirty="0"/>
           </a:p>
@@ -1006,7 +1005,7 @@
           <a:p>
             <a:fld id="{9D7F7A4F-C86B-4E97-8396-79EF10BBD040}" type="slidenum">
               <a:rPr lang="en-GB" smtClean="0"/>
-              <a:t>‹#›</a:t>
+              <a:t>‹N°›</a:t>
             </a:fld>
             <a:endParaRPr lang="en-GB" dirty="0"/>
           </a:p>
@@ -1210,7 +1209,7 @@
           <a:p>
             <a:fld id="{1C2A38D2-D57A-4E64-B95F-0826012D069A}" type="datetimeFigureOut">
               <a:rPr lang="en-GB" smtClean="0"/>
-              <a:t>24/11/2021</a:t>
+              <a:t>03/12/2021</a:t>
             </a:fld>
             <a:endParaRPr lang="en-GB" dirty="0"/>
           </a:p>
@@ -1252,7 +1251,7 @@
           <a:p>
             <a:fld id="{9D7F7A4F-C86B-4E97-8396-79EF10BBD040}" type="slidenum">
               <a:rPr lang="en-GB" smtClean="0"/>
-              <a:t>‹#›</a:t>
+              <a:t>‹N°›</a:t>
             </a:fld>
             <a:endParaRPr lang="en-GB" dirty="0"/>
           </a:p>
@@ -1442,7 +1441,7 @@
           <a:p>
             <a:fld id="{1C2A38D2-D57A-4E64-B95F-0826012D069A}" type="datetimeFigureOut">
               <a:rPr lang="en-GB" smtClean="0"/>
-              <a:t>24/11/2021</a:t>
+              <a:t>03/12/2021</a:t>
             </a:fld>
             <a:endParaRPr lang="en-GB" dirty="0"/>
           </a:p>
@@ -1484,7 +1483,7 @@
           <a:p>
             <a:fld id="{9D7F7A4F-C86B-4E97-8396-79EF10BBD040}" type="slidenum">
               <a:rPr lang="en-GB" smtClean="0"/>
-              <a:t>‹#›</a:t>
+              <a:t>‹N°›</a:t>
             </a:fld>
             <a:endParaRPr lang="en-GB" dirty="0"/>
           </a:p>
@@ -1809,7 +1808,7 @@
           <a:p>
             <a:fld id="{1C2A38D2-D57A-4E64-B95F-0826012D069A}" type="datetimeFigureOut">
               <a:rPr lang="en-GB" smtClean="0"/>
-              <a:t>24/11/2021</a:t>
+              <a:t>03/12/2021</a:t>
             </a:fld>
             <a:endParaRPr lang="en-GB" dirty="0"/>
           </a:p>
@@ -1851,7 +1850,7 @@
           <a:p>
             <a:fld id="{9D7F7A4F-C86B-4E97-8396-79EF10BBD040}" type="slidenum">
               <a:rPr lang="en-GB" smtClean="0"/>
-              <a:t>‹#›</a:t>
+              <a:t>‹N°›</a:t>
             </a:fld>
             <a:endParaRPr lang="en-GB" dirty="0"/>
           </a:p>
@@ -1927,7 +1926,7 @@
           <a:p>
             <a:fld id="{1C2A38D2-D57A-4E64-B95F-0826012D069A}" type="datetimeFigureOut">
               <a:rPr lang="en-GB" smtClean="0"/>
-              <a:t>24/11/2021</a:t>
+              <a:t>03/12/2021</a:t>
             </a:fld>
             <a:endParaRPr lang="en-GB" dirty="0"/>
           </a:p>
@@ -1969,7 +1968,7 @@
           <a:p>
             <a:fld id="{9D7F7A4F-C86B-4E97-8396-79EF10BBD040}" type="slidenum">
               <a:rPr lang="en-GB" smtClean="0"/>
-              <a:t>‹#›</a:t>
+              <a:t>‹N°›</a:t>
             </a:fld>
             <a:endParaRPr lang="en-GB" dirty="0"/>
           </a:p>
@@ -2022,7 +2021,7 @@
           <a:p>
             <a:fld id="{1C2A38D2-D57A-4E64-B95F-0826012D069A}" type="datetimeFigureOut">
               <a:rPr lang="en-GB" smtClean="0"/>
-              <a:t>24/11/2021</a:t>
+              <a:t>03/12/2021</a:t>
             </a:fld>
             <a:endParaRPr lang="en-GB" dirty="0"/>
           </a:p>
@@ -2064,7 +2063,7 @@
           <a:p>
             <a:fld id="{9D7F7A4F-C86B-4E97-8396-79EF10BBD040}" type="slidenum">
               <a:rPr lang="en-GB" smtClean="0"/>
-              <a:t>‹#›</a:t>
+              <a:t>‹N°›</a:t>
             </a:fld>
             <a:endParaRPr lang="en-GB" dirty="0"/>
           </a:p>
@@ -2299,7 +2298,7 @@
           <a:p>
             <a:fld id="{1C2A38D2-D57A-4E64-B95F-0826012D069A}" type="datetimeFigureOut">
               <a:rPr lang="en-GB" smtClean="0"/>
-              <a:t>24/11/2021</a:t>
+              <a:t>03/12/2021</a:t>
             </a:fld>
             <a:endParaRPr lang="en-GB" dirty="0"/>
           </a:p>
@@ -2341,7 +2340,7 @@
           <a:p>
             <a:fld id="{9D7F7A4F-C86B-4E97-8396-79EF10BBD040}" type="slidenum">
               <a:rPr lang="en-GB" smtClean="0"/>
-              <a:t>‹#›</a:t>
+              <a:t>‹N°›</a:t>
             </a:fld>
             <a:endParaRPr lang="en-GB" dirty="0"/>
           </a:p>
@@ -2552,7 +2551,7 @@
           <a:p>
             <a:fld id="{1C2A38D2-D57A-4E64-B95F-0826012D069A}" type="datetimeFigureOut">
               <a:rPr lang="en-GB" smtClean="0"/>
-              <a:t>24/11/2021</a:t>
+              <a:t>03/12/2021</a:t>
             </a:fld>
             <a:endParaRPr lang="en-GB" dirty="0"/>
           </a:p>
@@ -2594,7 +2593,7 @@
           <a:p>
             <a:fld id="{9D7F7A4F-C86B-4E97-8396-79EF10BBD040}" type="slidenum">
               <a:rPr lang="en-GB" smtClean="0"/>
-              <a:t>‹#›</a:t>
+              <a:t>‹N°›</a:t>
             </a:fld>
             <a:endParaRPr lang="en-GB" dirty="0"/>
           </a:p>
@@ -2765,7 +2764,7 @@
           <a:p>
             <a:fld id="{1C2A38D2-D57A-4E64-B95F-0826012D069A}" type="datetimeFigureOut">
               <a:rPr lang="en-GB" smtClean="0"/>
-              <a:t>24/11/2021</a:t>
+              <a:t>03/12/2021</a:t>
             </a:fld>
             <a:endParaRPr lang="en-GB" dirty="0"/>
           </a:p>
@@ -2843,7 +2842,7 @@
           <a:p>
             <a:fld id="{9D7F7A4F-C86B-4E97-8396-79EF10BBD040}" type="slidenum">
               <a:rPr lang="en-GB" smtClean="0"/>
-              <a:t>‹#›</a:t>
+              <a:t>‹N°›</a:t>
             </a:fld>
             <a:endParaRPr lang="en-GB" dirty="0"/>
           </a:p>
@@ -7796,7 +7795,15 @@
             <a:pPr algn="ctr"/>
             <a:r>
               <a:rPr lang="en-GB" sz="2400" dirty="0"/>
-              <a:t>Ce test dure environs 25 minutes.</a:t>
+              <a:t>Ce test dure environs </a:t>
+            </a:r>
+            <a:r>
+              <a:rPr lang="en-GB" sz="2400" dirty="0" smtClean="0"/>
+              <a:t>55 </a:t>
+            </a:r>
+            <a:r>
+              <a:rPr lang="en-GB" sz="2400" dirty="0"/>
+              <a:t>minutes.</a:t>
             </a:r>
           </a:p>
           <a:p>
@@ -9042,155 +9049,50 @@
           <a:chExt cx="0" cy="0"/>
         </a:xfrm>
       </p:grpSpPr>
-      <p:sp>
-        <p:nvSpPr>
-          <p:cNvPr id="7" name="ZoneTexte 6"/>
-          <p:cNvSpPr txBox="1"/>
-          <p:nvPr/>
-        </p:nvSpPr>
-        <p:spPr>
-          <a:xfrm>
-            <a:off x="755905" y="1099125"/>
-            <a:ext cx="10680191" cy="984885"/>
+      <p:pic>
+        <p:nvPicPr>
+          <p:cNvPr id="4" name="Image 3"/>
+          <p:cNvPicPr>
+            <a:picLocks noChangeAspect="1"/>
+          </p:cNvPicPr>
+          <p:nvPr/>
+        </p:nvPicPr>
+        <p:blipFill>
+          <a:blip r:embed="rId2"/>
+          <a:stretch>
+            <a:fillRect/>
+          </a:stretch>
+        </p:blipFill>
+        <p:spPr>
+          <a:xfrm>
+            <a:off x="4392826" y="2769590"/>
+            <a:ext cx="3724795" cy="2419688"/>
           </a:xfrm>
           <a:prstGeom prst="rect">
             <a:avLst/>
           </a:prstGeom>
-          <a:noFill/>
-        </p:spPr>
-        <p:txBody>
-          <a:bodyPr wrap="square" rtlCol="0">
-            <a:spAutoFit/>
-          </a:bodyPr>
-          <a:lstStyle/>
-          <a:p>
-            <a:pPr algn="ctr">
-              <a:spcAft>
-                <a:spcPts val="1200"/>
-              </a:spcAft>
-            </a:pPr>
-            <a:r>
-              <a:rPr lang="en-GB" sz="2400" dirty="0" err="1"/>
-              <a:t>Vous</a:t>
-            </a:r>
-            <a:r>
-              <a:rPr lang="en-GB" sz="2400" dirty="0"/>
-              <a:t> </a:t>
-            </a:r>
-            <a:r>
-              <a:rPr lang="en-GB" sz="2400" dirty="0" err="1"/>
-              <a:t>pourrez</a:t>
-            </a:r>
-            <a:r>
-              <a:rPr lang="en-GB" sz="2400" dirty="0"/>
-              <a:t> </a:t>
-            </a:r>
-            <a:r>
-              <a:rPr lang="en-GB" sz="2400" dirty="0" err="1"/>
-              <a:t>voir</a:t>
-            </a:r>
-            <a:r>
-              <a:rPr lang="en-GB" sz="2400" dirty="0"/>
-              <a:t> et revoir les </a:t>
-            </a:r>
-            <a:r>
-              <a:rPr lang="en-GB" sz="2400" dirty="0" err="1"/>
-              <a:t>chiffres</a:t>
-            </a:r>
-            <a:r>
-              <a:rPr lang="en-GB" sz="2400" dirty="0"/>
-              <a:t> de la grille </a:t>
-            </a:r>
-            <a:r>
-              <a:rPr lang="en-GB" sz="2400" dirty="0" err="1"/>
-              <a:t>autant</a:t>
-            </a:r>
-            <a:r>
-              <a:rPr lang="en-GB" sz="2400" dirty="0"/>
-              <a:t> de </a:t>
-            </a:r>
-            <a:r>
-              <a:rPr lang="en-GB" sz="2400" dirty="0" err="1"/>
-              <a:t>fois</a:t>
-            </a:r>
-            <a:r>
-              <a:rPr lang="en-GB" sz="2400" dirty="0"/>
-              <a:t> que </a:t>
-            </a:r>
-            <a:r>
-              <a:rPr lang="en-GB" sz="2400" dirty="0" err="1"/>
-              <a:t>vous</a:t>
-            </a:r>
-            <a:r>
-              <a:rPr lang="en-GB" sz="2400" dirty="0"/>
-              <a:t> le </a:t>
-            </a:r>
-            <a:r>
-              <a:rPr lang="fr-FR" sz="2400" dirty="0"/>
-              <a:t>désirez</a:t>
-            </a:r>
-            <a:r>
-              <a:rPr lang="en-GB" sz="2400" dirty="0"/>
-              <a:t>.</a:t>
-            </a:r>
-          </a:p>
-          <a:p>
-            <a:pPr algn="ctr">
-              <a:spcAft>
-                <a:spcPts val="1200"/>
-              </a:spcAft>
-            </a:pPr>
-            <a:r>
-              <a:rPr lang="en-GB" sz="2400" dirty="0"/>
-              <a:t>Après </a:t>
-            </a:r>
-            <a:r>
-              <a:rPr lang="en-GB" sz="2400" dirty="0" err="1"/>
-              <a:t>chaque</a:t>
-            </a:r>
-            <a:r>
-              <a:rPr lang="en-GB" sz="2400" dirty="0"/>
-              <a:t> visualisation de la grille, nous </a:t>
-            </a:r>
-            <a:r>
-              <a:rPr lang="en-GB" sz="2400" dirty="0" err="1"/>
-              <a:t>vous</a:t>
-            </a:r>
-            <a:r>
-              <a:rPr lang="en-GB" sz="2400" dirty="0"/>
-              <a:t> </a:t>
-            </a:r>
-            <a:r>
-              <a:rPr lang="en-GB" sz="2400" dirty="0" err="1"/>
-              <a:t>demanderons</a:t>
-            </a:r>
-            <a:r>
-              <a:rPr lang="en-GB" sz="2400" dirty="0"/>
-              <a:t>:</a:t>
-            </a:r>
-          </a:p>
-        </p:txBody>
-      </p:sp>
-      <p:sp>
-        <p:nvSpPr>
-          <p:cNvPr id="9" name="Rectangle 8"/>
+        </p:spPr>
+      </p:pic>
+      <p:sp>
+        <p:nvSpPr>
+          <p:cNvPr id="5" name="Rectangle 4"/>
           <p:cNvSpPr/>
           <p:nvPr/>
         </p:nvSpPr>
         <p:spPr>
           <a:xfrm>
-            <a:off x="3554499" y="2466252"/>
-            <a:ext cx="5083002" cy="3026364"/>
+            <a:off x="5480050" y="3889375"/>
+            <a:ext cx="120650" cy="187325"/>
           </a:xfrm>
           <a:prstGeom prst="rect">
             <a:avLst/>
           </a:prstGeom>
-          <a:noFill/>
-          <a:ln w="76200">
+          <a:solidFill>
+            <a:schemeClr val="bg1"/>
+          </a:solidFill>
+          <a:ln>
             <a:solidFill>
-              <a:schemeClr val="bg1">
-                <a:lumMod val="65000"/>
-              </a:schemeClr>
+              <a:schemeClr val="bg1"/>
             </a:solidFill>
           </a:ln>
         </p:spPr>
@@ -9215,6 +9117,213 @@
           <a:lstStyle/>
           <a:p>
             <a:pPr algn="ctr"/>
+            <a:endParaRPr lang="en-GB"/>
+          </a:p>
+        </p:txBody>
+      </p:sp>
+      <p:sp>
+        <p:nvSpPr>
+          <p:cNvPr id="2" name="ZoneTexte 1"/>
+          <p:cNvSpPr txBox="1"/>
+          <p:nvPr/>
+        </p:nvSpPr>
+        <p:spPr>
+          <a:xfrm>
+            <a:off x="5403850" y="3801300"/>
+            <a:ext cx="288862" cy="338554"/>
+          </a:xfrm>
+          <a:prstGeom prst="rect">
+            <a:avLst/>
+          </a:prstGeom>
+          <a:noFill/>
+        </p:spPr>
+        <p:txBody>
+          <a:bodyPr wrap="none" rtlCol="0">
+            <a:spAutoFit/>
+          </a:bodyPr>
+          <a:lstStyle/>
+          <a:p>
+            <a:r>
+              <a:rPr lang="en-GB" sz="1600" b="1" dirty="0" smtClean="0"/>
+              <a:t>8</a:t>
+            </a:r>
+            <a:endParaRPr lang="en-GB" sz="1600" b="1" dirty="0"/>
+          </a:p>
+        </p:txBody>
+      </p:sp>
+      <p:sp>
+        <p:nvSpPr>
+          <p:cNvPr id="7" name="ZoneTexte 6"/>
+          <p:cNvSpPr txBox="1"/>
+          <p:nvPr/>
+        </p:nvSpPr>
+        <p:spPr>
+          <a:xfrm>
+            <a:off x="755905" y="1099125"/>
+            <a:ext cx="10680191" cy="984885"/>
+          </a:xfrm>
+          <a:prstGeom prst="rect">
+            <a:avLst/>
+          </a:prstGeom>
+          <a:noFill/>
+        </p:spPr>
+        <p:txBody>
+          <a:bodyPr wrap="square" rtlCol="0">
+            <a:spAutoFit/>
+          </a:bodyPr>
+          <a:lstStyle/>
+          <a:p>
+            <a:pPr algn="ctr">
+              <a:spcAft>
+                <a:spcPts val="1200"/>
+              </a:spcAft>
+            </a:pPr>
+            <a:r>
+              <a:rPr lang="en-GB" sz="2400" dirty="0" err="1"/>
+              <a:t>Vous</a:t>
+            </a:r>
+            <a:r>
+              <a:rPr lang="en-GB" sz="2400" dirty="0"/>
+              <a:t> </a:t>
+            </a:r>
+            <a:r>
+              <a:rPr lang="en-GB" sz="2400" dirty="0" err="1"/>
+              <a:t>pourrez</a:t>
+            </a:r>
+            <a:r>
+              <a:rPr lang="en-GB" sz="2400" dirty="0"/>
+              <a:t> </a:t>
+            </a:r>
+            <a:r>
+              <a:rPr lang="en-GB" sz="2400" dirty="0" err="1"/>
+              <a:t>voir</a:t>
+            </a:r>
+            <a:r>
+              <a:rPr lang="en-GB" sz="2400" dirty="0"/>
+              <a:t> et revoir les </a:t>
+            </a:r>
+            <a:r>
+              <a:rPr lang="en-GB" sz="2400" dirty="0" err="1"/>
+              <a:t>chiffres</a:t>
+            </a:r>
+            <a:r>
+              <a:rPr lang="en-GB" sz="2400" dirty="0"/>
+              <a:t> de la grille </a:t>
+            </a:r>
+            <a:r>
+              <a:rPr lang="en-GB" sz="2400" dirty="0" err="1"/>
+              <a:t>autant</a:t>
+            </a:r>
+            <a:r>
+              <a:rPr lang="en-GB" sz="2400" dirty="0"/>
+              <a:t> de </a:t>
+            </a:r>
+            <a:r>
+              <a:rPr lang="en-GB" sz="2400" dirty="0" err="1"/>
+              <a:t>fois</a:t>
+            </a:r>
+            <a:r>
+              <a:rPr lang="en-GB" sz="2400" dirty="0"/>
+              <a:t> que </a:t>
+            </a:r>
+            <a:r>
+              <a:rPr lang="en-GB" sz="2400" dirty="0" err="1"/>
+              <a:t>vous</a:t>
+            </a:r>
+            <a:r>
+              <a:rPr lang="en-GB" sz="2400" dirty="0"/>
+              <a:t> le </a:t>
+            </a:r>
+            <a:r>
+              <a:rPr lang="fr-FR" sz="2400" dirty="0"/>
+              <a:t>désirez</a:t>
+            </a:r>
+            <a:r>
+              <a:rPr lang="en-GB" sz="2400" dirty="0"/>
+              <a:t>.</a:t>
+            </a:r>
+          </a:p>
+          <a:p>
+            <a:pPr algn="ctr">
+              <a:spcAft>
+                <a:spcPts val="1200"/>
+              </a:spcAft>
+            </a:pPr>
+            <a:r>
+              <a:rPr lang="en-GB" sz="2400" dirty="0"/>
+              <a:t>Après </a:t>
+            </a:r>
+            <a:r>
+              <a:rPr lang="en-GB" sz="2400" dirty="0" err="1"/>
+              <a:t>chaque</a:t>
+            </a:r>
+            <a:r>
+              <a:rPr lang="en-GB" sz="2400" dirty="0"/>
+              <a:t> visualisation de la grille, nous </a:t>
+            </a:r>
+            <a:r>
+              <a:rPr lang="en-GB" sz="2400" dirty="0" err="1"/>
+              <a:t>vous</a:t>
+            </a:r>
+            <a:r>
+              <a:rPr lang="en-GB" sz="2400" dirty="0"/>
+              <a:t> </a:t>
+            </a:r>
+            <a:r>
+              <a:rPr lang="en-GB" sz="2400" dirty="0" err="1"/>
+              <a:t>demanderons</a:t>
+            </a:r>
+            <a:r>
+              <a:rPr lang="en-GB" sz="2400" dirty="0"/>
+              <a:t>:</a:t>
+            </a:r>
+          </a:p>
+        </p:txBody>
+      </p:sp>
+      <p:sp>
+        <p:nvSpPr>
+          <p:cNvPr id="9" name="Rectangle 8"/>
+          <p:cNvSpPr/>
+          <p:nvPr/>
+        </p:nvSpPr>
+        <p:spPr>
+          <a:xfrm>
+            <a:off x="3554499" y="2466252"/>
+            <a:ext cx="5083002" cy="3026364"/>
+          </a:xfrm>
+          <a:prstGeom prst="rect">
+            <a:avLst/>
+          </a:prstGeom>
+          <a:noFill/>
+          <a:ln w="76200">
+            <a:solidFill>
+              <a:schemeClr val="bg1">
+                <a:lumMod val="65000"/>
+              </a:schemeClr>
+            </a:solidFill>
+          </a:ln>
+        </p:spPr>
+        <p:style>
+          <a:lnRef idx="2">
+            <a:schemeClr val="accent1">
+              <a:shade val="50000"/>
+            </a:schemeClr>
+          </a:lnRef>
+          <a:fillRef idx="1">
+            <a:schemeClr val="accent1"/>
+          </a:fillRef>
+          <a:effectRef idx="0">
+            <a:schemeClr val="accent1"/>
+          </a:effectRef>
+          <a:fontRef idx="minor">
+            <a:schemeClr val="lt1"/>
+          </a:fontRef>
+        </p:style>
+        <p:txBody>
+          <a:bodyPr rtlCol="0" anchor="ctr"/>
+          <a:lstStyle/>
+          <a:p>
+            <a:pPr algn="ctr"/>
             <a:endParaRPr lang="en-GB">
               <a:solidFill>
                 <a:schemeClr val="tx1"/>
@@ -9343,30 +9452,6 @@
           </a:p>
         </p:txBody>
       </p:sp>
-      <p:pic>
-        <p:nvPicPr>
-          <p:cNvPr id="4" name="Image 3"/>
-          <p:cNvPicPr>
-            <a:picLocks noChangeAspect="1"/>
-          </p:cNvPicPr>
-          <p:nvPr/>
-        </p:nvPicPr>
-        <p:blipFill>
-          <a:blip r:embed="rId2"/>
-          <a:stretch>
-            <a:fillRect/>
-          </a:stretch>
-        </p:blipFill>
-        <p:spPr>
-          <a:xfrm>
-            <a:off x="4392826" y="2769590"/>
-            <a:ext cx="3724795" cy="2419688"/>
-          </a:xfrm>
-          <a:prstGeom prst="rect">
-            <a:avLst/>
-          </a:prstGeom>
-        </p:spPr>
-      </p:pic>
     </p:spTree>
     <p:extLst>
       <p:ext uri="{BB962C8B-B14F-4D97-AF65-F5344CB8AC3E}">
@@ -9426,7 +9511,19 @@
             </a:pPr>
             <a:r>
               <a:rPr lang="fr-FR" sz="2400" dirty="0"/>
-              <a:t>Note: vous avez 5 secondes seulement pour répondre, après quoi la phase de </a:t>
+              <a:t>Note: vous avez </a:t>
+            </a:r>
+            <a:r>
+              <a:rPr lang="fr-FR" sz="2400" dirty="0"/>
+              <a:t>8</a:t>
+            </a:r>
+            <a:r>
+              <a:rPr lang="fr-FR" sz="2400" dirty="0" smtClean="0"/>
+              <a:t> </a:t>
+            </a:r>
+            <a:r>
+              <a:rPr lang="fr-FR" sz="2400" dirty="0"/>
+              <a:t>secondes seulement pour répondre, après quoi la phase de </a:t>
             </a:r>
             <a:r>
               <a:rPr lang="en-GB" sz="2400" dirty="0"/>
@@ -9578,6 +9675,84 @@
           </p:spPr>
         </p:pic>
       </p:grpSp>
+      <p:sp>
+        <p:nvSpPr>
+          <p:cNvPr id="10" name="Rectangle 9"/>
+          <p:cNvSpPr/>
+          <p:nvPr/>
+        </p:nvSpPr>
+        <p:spPr>
+          <a:xfrm>
+            <a:off x="5476875" y="4714875"/>
+            <a:ext cx="120650" cy="187325"/>
+          </a:xfrm>
+          <a:prstGeom prst="rect">
+            <a:avLst/>
+          </a:prstGeom>
+          <a:solidFill>
+            <a:schemeClr val="bg1"/>
+          </a:solidFill>
+          <a:ln>
+            <a:solidFill>
+              <a:schemeClr val="bg1"/>
+            </a:solidFill>
+          </a:ln>
+        </p:spPr>
+        <p:style>
+          <a:lnRef idx="2">
+            <a:schemeClr val="accent1">
+              <a:shade val="50000"/>
+            </a:schemeClr>
+          </a:lnRef>
+          <a:fillRef idx="1">
+            <a:schemeClr val="accent1"/>
+          </a:fillRef>
+          <a:effectRef idx="0">
+            <a:schemeClr val="accent1"/>
+          </a:effectRef>
+          <a:fontRef idx="minor">
+            <a:schemeClr val="lt1"/>
+          </a:fontRef>
+        </p:style>
+        <p:txBody>
+          <a:bodyPr rtlCol="0" anchor="ctr"/>
+          <a:lstStyle/>
+          <a:p>
+            <a:pPr algn="ctr"/>
+            <a:endParaRPr lang="en-GB"/>
+          </a:p>
+        </p:txBody>
+      </p:sp>
+      <p:sp>
+        <p:nvSpPr>
+          <p:cNvPr id="9" name="ZoneTexte 8"/>
+          <p:cNvSpPr txBox="1"/>
+          <p:nvPr/>
+        </p:nvSpPr>
+        <p:spPr>
+          <a:xfrm>
+            <a:off x="5400675" y="4626800"/>
+            <a:ext cx="288862" cy="338554"/>
+          </a:xfrm>
+          <a:prstGeom prst="rect">
+            <a:avLst/>
+          </a:prstGeom>
+          <a:noFill/>
+        </p:spPr>
+        <p:txBody>
+          <a:bodyPr wrap="none" rtlCol="0">
+            <a:spAutoFit/>
+          </a:bodyPr>
+          <a:lstStyle/>
+          <a:p>
+            <a:r>
+              <a:rPr lang="en-GB" sz="1600" b="1" dirty="0" smtClean="0"/>
+              <a:t>8</a:t>
+            </a:r>
+            <a:endParaRPr lang="en-GB" sz="1600" b="1" dirty="0"/>
+          </a:p>
+        </p:txBody>
+      </p:sp>
     </p:spTree>
     <p:extLst>
       <p:ext uri="{BB962C8B-B14F-4D97-AF65-F5344CB8AC3E}">
@@ -10206,14 +10381,66 @@
       </p:grpSpPr>
       <p:sp>
         <p:nvSpPr>
+          <p:cNvPr id="9" name="Rectangle 8"/>
+          <p:cNvSpPr/>
+          <p:nvPr/>
+        </p:nvSpPr>
+        <p:spPr>
+          <a:xfrm>
+            <a:off x="3554499" y="3358254"/>
+            <a:ext cx="5083002" cy="3026364"/>
+          </a:xfrm>
+          <a:prstGeom prst="rect">
+            <a:avLst/>
+          </a:prstGeom>
+          <a:noFill/>
+          <a:ln w="76200">
+            <a:solidFill>
+              <a:schemeClr val="bg1">
+                <a:lumMod val="65000"/>
+              </a:schemeClr>
+            </a:solidFill>
+          </a:ln>
+        </p:spPr>
+        <p:style>
+          <a:lnRef idx="2">
+            <a:schemeClr val="accent1">
+              <a:shade val="50000"/>
+            </a:schemeClr>
+          </a:lnRef>
+          <a:fillRef idx="1">
+            <a:schemeClr val="accent1"/>
+          </a:fillRef>
+          <a:effectRef idx="0">
+            <a:schemeClr val="accent1"/>
+          </a:effectRef>
+          <a:fontRef idx="minor">
+            <a:schemeClr val="lt1"/>
+          </a:fontRef>
+        </p:style>
+        <p:txBody>
+          <a:bodyPr rtlCol="0" anchor="ctr"/>
+          <a:lstStyle/>
+          <a:p>
+            <a:pPr algn="ctr"/>
+            <a:endParaRPr lang="en-GB">
+              <a:solidFill>
+                <a:schemeClr val="tx1"/>
+              </a:solidFill>
+            </a:endParaRPr>
+          </a:p>
+        </p:txBody>
+      </p:sp>
+      <p:sp>
+        <p:nvSpPr>
           <p:cNvPr id="8" name="ZoneTexte 7"/>
           <p:cNvSpPr txBox="1"/>
           <p:nvPr/>
         </p:nvSpPr>
         <p:spPr>
           <a:xfrm>
-            <a:off x="1874195" y="2279533"/>
-            <a:ext cx="8443609" cy="3139321"/>
+            <a:off x="1874195" y="1204843"/>
+            <a:ext cx="8443609" cy="1723549"/>
           </a:xfrm>
           <a:prstGeom prst="rect">
             <a:avLst/>
@@ -10232,8 +10459,8 @@
               </a:spcAft>
             </a:pPr>
             <a:r>
-              <a:rPr lang="en-GB" sz="2400" dirty="0"/>
-              <a:t>Attention !</a:t>
+              <a:rPr lang="fr-FR" sz="2400" dirty="0"/>
+              <a:t>Il se peut que vous ne vous rappeliez plus de l’emplacement de l’autre chiffre composant la paire. </a:t>
             </a:r>
           </a:p>
           <a:p>
@@ -10244,45 +10471,94 @@
             </a:pPr>
             <a:r>
               <a:rPr lang="fr-FR" sz="2400" dirty="0"/>
-              <a:t>Vous pourrez choisir les paires sur lesquelles nous vous testerons, mais le nombre de paires testées sera limité par le score cible de l’exercice</a:t>
-            </a:r>
-            <a:r>
-              <a:rPr lang="fr-FR" sz="2400"/>
-              <a:t>. </a:t>
-            </a:r>
-          </a:p>
-          <a:p>
-            <a:pPr algn="ctr">
-              <a:spcAft>
-                <a:spcPts val="1200"/>
-              </a:spcAft>
-            </a:pPr>
-            <a:r>
-              <a:rPr lang="fr-FR" sz="2400"/>
-              <a:t>Par </a:t>
+              <a:t>Vous pourrez alors cliquer sur le bouton « Montrez-moi la prochaine paire », en bas </a:t>
+            </a:r>
+            <a:r>
+              <a:rPr lang="fr-FR" sz="2400" dirty="0" smtClean="0"/>
+              <a:t>de </a:t>
             </a:r>
             <a:r>
               <a:rPr lang="fr-FR" sz="2400" dirty="0"/>
-              <a:t>exemple, si le score cible d’une exercice est 6, vous ne pourrez cliquer que 6 fois sur la grille.</a:t>
-            </a:r>
-            <a:endParaRPr lang="en-GB" sz="2400" dirty="0"/>
-          </a:p>
-          <a:p>
-            <a:pPr algn="ctr">
-              <a:spcAft>
-                <a:spcPts val="1200"/>
-              </a:spcAft>
-            </a:pPr>
-            <a:r>
-              <a:rPr lang="en-GB" sz="2400" dirty="0"/>
-              <a:t> </a:t>
-            </a:r>
-          </a:p>
-        </p:txBody>
-      </p:sp>
-      <p:sp>
-        <p:nvSpPr>
-          <p:cNvPr id="11" name="ZoneTexte 10"/>
+              <a:t>la grille:</a:t>
+            </a:r>
+            <a:endParaRPr lang="fr-FR" sz="2400" b="1" dirty="0"/>
+          </a:p>
+        </p:txBody>
+      </p:sp>
+      <p:pic>
+        <p:nvPicPr>
+          <p:cNvPr id="3" name="Picture 2">
+            <a:extLst>
+              <a:ext uri="{FF2B5EF4-FFF2-40B4-BE49-F238E27FC236}">
+                <a16:creationId xmlns:a16="http://schemas.microsoft.com/office/drawing/2014/main" id="{62E78A33-4A91-4109-8E3B-93A547C80554}"/>
+              </a:ext>
+            </a:extLst>
+          </p:cNvPr>
+          <p:cNvPicPr>
+            <a:picLocks noChangeAspect="1"/>
+          </p:cNvPicPr>
+          <p:nvPr/>
+        </p:nvPicPr>
+        <p:blipFill rotWithShape="1">
+          <a:blip r:embed="rId2"/>
+          <a:srcRect l="25295" t="64490" r="25907" b="5532"/>
+          <a:stretch/>
+        </p:blipFill>
+        <p:spPr>
+          <a:xfrm>
+            <a:off x="3695569" y="3933092"/>
+            <a:ext cx="4800862" cy="1966127"/>
+          </a:xfrm>
+          <a:prstGeom prst="rect">
+            <a:avLst/>
+          </a:prstGeom>
+        </p:spPr>
+      </p:pic>
+      <p:cxnSp>
+        <p:nvCxnSpPr>
+          <p:cNvPr id="6" name="Straight Arrow Connector 5">
+            <a:extLst>
+              <a:ext uri="{FF2B5EF4-FFF2-40B4-BE49-F238E27FC236}">
+                <a16:creationId xmlns:a16="http://schemas.microsoft.com/office/drawing/2014/main" id="{E4312EB6-4D0C-4ED2-AA55-6845DE2C422D}"/>
+              </a:ext>
+            </a:extLst>
+          </p:cNvPr>
+          <p:cNvCxnSpPr/>
+          <p:nvPr/>
+        </p:nvCxnSpPr>
+        <p:spPr>
+          <a:xfrm>
+            <a:off x="1609344" y="5142113"/>
+            <a:ext cx="2335525" cy="566928"/>
+          </a:xfrm>
+          <a:prstGeom prst="straightConnector1">
+            <a:avLst/>
+          </a:prstGeom>
+          <a:ln w="57150">
+            <a:solidFill>
+              <a:srgbClr val="FF0000"/>
+            </a:solidFill>
+            <a:tailEnd type="triangle"/>
+          </a:ln>
+        </p:spPr>
+        <p:style>
+          <a:lnRef idx="3">
+            <a:schemeClr val="accent2"/>
+          </a:lnRef>
+          <a:fillRef idx="0">
+            <a:schemeClr val="accent2"/>
+          </a:fillRef>
+          <a:effectRef idx="2">
+            <a:schemeClr val="accent2"/>
+          </a:effectRef>
+          <a:fontRef idx="minor">
+            <a:schemeClr val="tx1"/>
+          </a:fontRef>
+        </p:style>
+      </p:cxnSp>
+      <p:sp>
+        <p:nvSpPr>
+          <p:cNvPr id="10" name="ZoneTexte 9"/>
           <p:cNvSpPr txBox="1"/>
           <p:nvPr/>
         </p:nvSpPr>
@@ -10324,10 +10600,64 @@
           </a:p>
         </p:txBody>
       </p:sp>
+      <p:sp>
+        <p:nvSpPr>
+          <p:cNvPr id="2" name="Rectangle 1">
+            <a:extLst>
+              <a:ext uri="{FF2B5EF4-FFF2-40B4-BE49-F238E27FC236}">
+                <a16:creationId xmlns:a16="http://schemas.microsoft.com/office/drawing/2014/main" id="{F0984CF9-3CC3-497A-AE3D-CF0D229DA277}"/>
+              </a:ext>
+            </a:extLst>
+          </p:cNvPr>
+          <p:cNvSpPr/>
+          <p:nvPr/>
+        </p:nvSpPr>
+        <p:spPr>
+          <a:xfrm>
+            <a:off x="5511522" y="5541666"/>
+            <a:ext cx="2873828" cy="492369"/>
+          </a:xfrm>
+          <a:prstGeom prst="rect">
+            <a:avLst/>
+          </a:prstGeom>
+          <a:solidFill>
+            <a:schemeClr val="bg1"/>
+          </a:solidFill>
+          <a:ln>
+            <a:solidFill>
+              <a:schemeClr val="bg1"/>
+            </a:solidFill>
+          </a:ln>
+        </p:spPr>
+        <p:style>
+          <a:lnRef idx="2">
+            <a:schemeClr val="accent1">
+              <a:shade val="50000"/>
+            </a:schemeClr>
+          </a:lnRef>
+          <a:fillRef idx="1">
+            <a:schemeClr val="accent1"/>
+          </a:fillRef>
+          <a:effectRef idx="0">
+            <a:schemeClr val="accent1"/>
+          </a:effectRef>
+          <a:fontRef idx="minor">
+            <a:schemeClr val="lt1"/>
+          </a:fontRef>
+        </p:style>
+        <p:txBody>
+          <a:bodyPr rtlCol="0" anchor="ctr"/>
+          <a:lstStyle/>
+          <a:p>
+            <a:pPr algn="ctr"/>
+            <a:endParaRPr lang="en-GB"/>
+          </a:p>
+        </p:txBody>
+      </p:sp>
     </p:spTree>
     <p:extLst>
       <p:ext uri="{BB962C8B-B14F-4D97-AF65-F5344CB8AC3E}">
-        <p14:creationId xmlns:p14="http://schemas.microsoft.com/office/powerpoint/2010/main" val="268632885"/>
+        <p14:creationId xmlns:p14="http://schemas.microsoft.com/office/powerpoint/2010/main" val="4187121344"/>
       </p:ext>
     </p:extLst>
   </p:cSld>
@@ -10362,7 +10692,7 @@
         </p:nvSpPr>
         <p:spPr>
           <a:xfrm>
-            <a:off x="3554499" y="3358254"/>
+            <a:off x="3554499" y="2366514"/>
             <a:ext cx="5083002" cy="3026364"/>
           </a:xfrm>
           <a:prstGeom prst="rect">
@@ -10414,8 +10744,8 @@
         </p:nvSpPr>
         <p:spPr>
           <a:xfrm>
-            <a:off x="1874195" y="1204843"/>
-            <a:ext cx="8443609" cy="1723549"/>
+            <a:off x="1874194" y="1252745"/>
+            <a:ext cx="8457161" cy="830997"/>
           </a:xfrm>
           <a:prstGeom prst="rect">
             <a:avLst/>
@@ -10435,29 +10765,29 @@
             </a:pPr>
             <a:r>
               <a:rPr lang="fr-FR" sz="2400" dirty="0"/>
-              <a:t>Il se peut que vous ne vous rappeliez plus de l’emplacement de l’autre chiffre composant la paire. </a:t>
-            </a:r>
-          </a:p>
-          <a:p>
-            <a:pPr algn="ctr">
-              <a:spcAft>
-                <a:spcPts val="1200"/>
-              </a:spcAft>
-            </a:pPr>
+              <a:t>Après la phase de test, nous vous demanderons de vous </a:t>
+            </a:r>
+            <a:r>
+              <a:rPr lang="fr-FR" sz="2400" dirty="0" err="1"/>
+              <a:t>auto-évaluer</a:t>
+            </a:r>
             <a:r>
               <a:rPr lang="fr-FR" sz="2400" dirty="0"/>
-              <a:t>Vous pourrez alors cliquer sur le bouton « Montrez-moi la prochaine paire », en bas à gauche de la grille:</a:t>
-            </a:r>
-            <a:endParaRPr lang="fr-FR" sz="2400" b="1" dirty="0"/>
+              <a:t> </a:t>
+            </a:r>
+            <a:r>
+              <a:rPr lang="en-US" sz="2400" dirty="0"/>
+              <a:t>:</a:t>
+            </a:r>
           </a:p>
         </p:txBody>
       </p:sp>
       <p:pic>
         <p:nvPicPr>
-          <p:cNvPr id="3" name="Picture 2">
+          <p:cNvPr id="2" name="Picture 1">
             <a:extLst>
               <a:ext uri="{FF2B5EF4-FFF2-40B4-BE49-F238E27FC236}">
-                <a16:creationId xmlns:a16="http://schemas.microsoft.com/office/drawing/2014/main" id="{62E78A33-4A91-4109-8E3B-93A547C80554}"/>
+                <a16:creationId xmlns:a16="http://schemas.microsoft.com/office/drawing/2014/main" id="{57DC9D53-1594-4637-A7B7-B270E6EB6C27}"/>
               </a:ext>
             </a:extLst>
           </p:cNvPr>
@@ -10468,61 +10798,129 @@
         </p:nvPicPr>
         <p:blipFill rotWithShape="1">
           <a:blip r:embed="rId2"/>
-          <a:srcRect l="25295" t="64490" r="25907" b="5532"/>
+          <a:srcRect l="30564" t="48800" r="29888" b="40933"/>
           <a:stretch/>
         </p:blipFill>
         <p:spPr>
           <a:xfrm>
-            <a:off x="3695569" y="3933092"/>
-            <a:ext cx="4800862" cy="1966127"/>
+            <a:off x="3676396" y="3455318"/>
+            <a:ext cx="4839207" cy="837502"/>
           </a:xfrm>
           <a:prstGeom prst="rect">
             <a:avLst/>
           </a:prstGeom>
         </p:spPr>
       </p:pic>
-      <p:cxnSp>
-        <p:nvCxnSpPr>
-          <p:cNvPr id="6" name="Straight Arrow Connector 5">
-            <a:extLst>
-              <a:ext uri="{FF2B5EF4-FFF2-40B4-BE49-F238E27FC236}">
-                <a16:creationId xmlns:a16="http://schemas.microsoft.com/office/drawing/2014/main" id="{E4312EB6-4D0C-4ED2-AA55-6845DE2C422D}"/>
-              </a:ext>
-            </a:extLst>
-          </p:cNvPr>
-          <p:cNvCxnSpPr/>
-          <p:nvPr/>
-        </p:nvCxnSpPr>
-        <p:spPr>
-          <a:xfrm>
-            <a:off x="1609344" y="5142113"/>
-            <a:ext cx="2335525" cy="566928"/>
-          </a:xfrm>
-          <a:prstGeom prst="straightConnector1">
+      <p:sp>
+        <p:nvSpPr>
+          <p:cNvPr id="3" name="Rectangle 2"/>
+          <p:cNvSpPr/>
+          <p:nvPr/>
+        </p:nvSpPr>
+        <p:spPr>
+          <a:xfrm>
+            <a:off x="1745466" y="5760071"/>
+            <a:ext cx="8701068" cy="830997"/>
+          </a:xfrm>
+          <a:prstGeom prst="rect">
             <a:avLst/>
           </a:prstGeom>
-          <a:ln w="57150">
-            <a:solidFill>
-              <a:srgbClr val="FF0000"/>
-            </a:solidFill>
-            <a:tailEnd type="triangle"/>
-          </a:ln>
-        </p:spPr>
-        <p:style>
-          <a:lnRef idx="3">
-            <a:schemeClr val="accent2"/>
-          </a:lnRef>
-          <a:fillRef idx="0">
-            <a:schemeClr val="accent2"/>
-          </a:fillRef>
-          <a:effectRef idx="2">
-            <a:schemeClr val="accent2"/>
-          </a:effectRef>
-          <a:fontRef idx="minor">
-            <a:schemeClr val="tx1"/>
-          </a:fontRef>
-        </p:style>
-      </p:cxnSp>
+        </p:spPr>
+        <p:txBody>
+          <a:bodyPr wrap="square">
+            <a:spAutoFit/>
+          </a:bodyPr>
+          <a:lstStyle/>
+          <a:p>
+            <a:pPr algn="ctr">
+              <a:spcAft>
+                <a:spcPts val="1200"/>
+              </a:spcAft>
+            </a:pPr>
+            <a:r>
+              <a:rPr lang="en-US" sz="2400" dirty="0" err="1"/>
+              <a:t>Répondez</a:t>
+            </a:r>
+            <a:r>
+              <a:rPr lang="en-US" sz="2400" dirty="0"/>
+              <a:t> </a:t>
+            </a:r>
+            <a:r>
+              <a:rPr lang="en-US" sz="2400" dirty="0" err="1"/>
+              <a:t>en</a:t>
+            </a:r>
+            <a:r>
+              <a:rPr lang="en-US" sz="2400" dirty="0"/>
+              <a:t> </a:t>
+            </a:r>
+            <a:r>
+              <a:rPr lang="en-US" sz="2400" dirty="0" err="1"/>
+              <a:t>cliquant</a:t>
+            </a:r>
+            <a:r>
+              <a:rPr lang="en-US" sz="2400" dirty="0"/>
+              <a:t> sur le </a:t>
+            </a:r>
+            <a:r>
+              <a:rPr lang="en-US" sz="2400" dirty="0" err="1"/>
+              <a:t>nombre</a:t>
+            </a:r>
+            <a:r>
+              <a:rPr lang="en-US" sz="2400" dirty="0"/>
+              <a:t> </a:t>
+            </a:r>
+            <a:r>
+              <a:rPr lang="en-US" sz="2400" dirty="0" err="1"/>
+              <a:t>d’emplacements</a:t>
+            </a:r>
+            <a:r>
+              <a:rPr lang="en-US" sz="2400" dirty="0"/>
+              <a:t> que </a:t>
+            </a:r>
+            <a:r>
+              <a:rPr lang="en-US" sz="2400" dirty="0" err="1"/>
+              <a:t>vous</a:t>
+            </a:r>
+            <a:r>
+              <a:rPr lang="en-US" sz="2400" dirty="0"/>
+              <a:t> </a:t>
+            </a:r>
+            <a:r>
+              <a:rPr lang="en-US" sz="2400" dirty="0" err="1"/>
+              <a:t>pensez</a:t>
+            </a:r>
+            <a:r>
+              <a:rPr lang="en-US" sz="2400" dirty="0"/>
+              <a:t> </a:t>
+            </a:r>
+            <a:r>
+              <a:rPr lang="en-US" sz="2400" dirty="0" err="1"/>
+              <a:t>avoir</a:t>
+            </a:r>
+            <a:r>
+              <a:rPr lang="en-US" sz="2400" dirty="0"/>
+              <a:t> </a:t>
+            </a:r>
+            <a:r>
+              <a:rPr lang="en-US" sz="2400" dirty="0" err="1"/>
+              <a:t>correctement</a:t>
+            </a:r>
+            <a:r>
+              <a:rPr lang="en-US" sz="2400" dirty="0"/>
+              <a:t> </a:t>
+            </a:r>
+            <a:r>
+              <a:rPr lang="en-US" sz="2400" dirty="0" err="1"/>
+              <a:t>deviné</a:t>
+            </a:r>
+            <a:r>
+              <a:rPr lang="en-US" sz="2400" dirty="0"/>
+              <a:t>!</a:t>
+            </a:r>
+            <a:endParaRPr lang="en-GB" sz="2400" dirty="0"/>
+          </a:p>
+        </p:txBody>
+      </p:sp>
       <p:sp>
         <p:nvSpPr>
           <p:cNvPr id="10" name="ZoneTexte 9"/>
@@ -10562,69 +10960,15 @@
                   <a:srgbClr val="0070C0"/>
                 </a:solidFill>
               </a:rPr>
-              <a:t>ETAPE 4 - PHASE DE TEST</a:t>
-            </a:r>
-          </a:p>
-        </p:txBody>
-      </p:sp>
-      <p:sp>
-        <p:nvSpPr>
-          <p:cNvPr id="2" name="Rectangle 1">
-            <a:extLst>
-              <a:ext uri="{FF2B5EF4-FFF2-40B4-BE49-F238E27FC236}">
-                <a16:creationId xmlns:a16="http://schemas.microsoft.com/office/drawing/2014/main" id="{F0984CF9-3CC3-497A-AE3D-CF0D229DA277}"/>
-              </a:ext>
-            </a:extLst>
-          </p:cNvPr>
-          <p:cNvSpPr/>
-          <p:nvPr/>
-        </p:nvSpPr>
-        <p:spPr>
-          <a:xfrm>
-            <a:off x="5511522" y="5541666"/>
-            <a:ext cx="2873828" cy="492369"/>
-          </a:xfrm>
-          <a:prstGeom prst="rect">
-            <a:avLst/>
-          </a:prstGeom>
-          <a:solidFill>
-            <a:schemeClr val="bg1"/>
-          </a:solidFill>
-          <a:ln>
-            <a:solidFill>
-              <a:schemeClr val="bg1"/>
-            </a:solidFill>
-          </a:ln>
-        </p:spPr>
-        <p:style>
-          <a:lnRef idx="2">
-            <a:schemeClr val="accent1">
-              <a:shade val="50000"/>
-            </a:schemeClr>
-          </a:lnRef>
-          <a:fillRef idx="1">
-            <a:schemeClr val="accent1"/>
-          </a:fillRef>
-          <a:effectRef idx="0">
-            <a:schemeClr val="accent1"/>
-          </a:effectRef>
-          <a:fontRef idx="minor">
-            <a:schemeClr val="lt1"/>
-          </a:fontRef>
-        </p:style>
-        <p:txBody>
-          <a:bodyPr rtlCol="0" anchor="ctr"/>
-          <a:lstStyle/>
-          <a:p>
-            <a:pPr algn="ctr"/>
-            <a:endParaRPr lang="en-GB"/>
+              <a:t>ETAPE 5 : AUTO-ÉVALUATION</a:t>
+            </a:r>
           </a:p>
         </p:txBody>
       </p:sp>
     </p:spTree>
     <p:extLst>
       <p:ext uri="{BB962C8B-B14F-4D97-AF65-F5344CB8AC3E}">
-        <p14:creationId xmlns:p14="http://schemas.microsoft.com/office/powerpoint/2010/main" val="4187121344"/>
+        <p14:creationId xmlns:p14="http://schemas.microsoft.com/office/powerpoint/2010/main" val="606719304"/>
       </p:ext>
     </p:extLst>
   </p:cSld>
@@ -10659,7 +11003,7 @@
         </p:nvSpPr>
         <p:spPr>
           <a:xfrm>
-            <a:off x="3554499" y="2366514"/>
+            <a:off x="3554499" y="2707708"/>
             <a:ext cx="5083002" cy="3026364"/>
           </a:xfrm>
           <a:prstGeom prst="rect">
@@ -10703,58 +11047,12 @@
           </a:p>
         </p:txBody>
       </p:sp>
-      <p:sp>
-        <p:nvSpPr>
-          <p:cNvPr id="8" name="ZoneTexte 7"/>
-          <p:cNvSpPr txBox="1"/>
-          <p:nvPr/>
-        </p:nvSpPr>
-        <p:spPr>
-          <a:xfrm>
-            <a:off x="1874194" y="1252745"/>
-            <a:ext cx="8457161" cy="830997"/>
-          </a:xfrm>
-          <a:prstGeom prst="rect">
-            <a:avLst/>
-          </a:prstGeom>
-          <a:noFill/>
-        </p:spPr>
-        <p:txBody>
-          <a:bodyPr wrap="square" rtlCol="0">
-            <a:spAutoFit/>
-          </a:bodyPr>
-          <a:lstStyle/>
-          <a:p>
-            <a:pPr algn="ctr">
-              <a:spcAft>
-                <a:spcPts val="1200"/>
-              </a:spcAft>
-            </a:pPr>
-            <a:r>
-              <a:rPr lang="fr-FR" sz="2400" dirty="0"/>
-              <a:t>Après la phase de test, nous vous demanderons de vous </a:t>
-            </a:r>
-            <a:r>
-              <a:rPr lang="fr-FR" sz="2400" dirty="0" err="1"/>
-              <a:t>auto-évaluer</a:t>
-            </a:r>
-            <a:r>
-              <a:rPr lang="fr-FR" sz="2400" dirty="0"/>
-              <a:t> </a:t>
-            </a:r>
-            <a:r>
-              <a:rPr lang="en-US" sz="2400" dirty="0"/>
-              <a:t>:</a:t>
-            </a:r>
-          </a:p>
-        </p:txBody>
-      </p:sp>
       <p:pic>
         <p:nvPicPr>
-          <p:cNvPr id="2" name="Picture 1">
+          <p:cNvPr id="10" name="Picture 9">
             <a:extLst>
               <a:ext uri="{FF2B5EF4-FFF2-40B4-BE49-F238E27FC236}">
-                <a16:creationId xmlns:a16="http://schemas.microsoft.com/office/drawing/2014/main" id="{57DC9D53-1594-4637-A7B7-B270E6EB6C27}"/>
+                <a16:creationId xmlns:a16="http://schemas.microsoft.com/office/drawing/2014/main" id="{93D8FE7F-D7E9-4D36-829D-0129FED49DE2}"/>
               </a:ext>
             </a:extLst>
           </p:cNvPr>
@@ -10765,13 +11063,13 @@
         </p:nvPicPr>
         <p:blipFill rotWithShape="1">
           <a:blip r:embed="rId2"/>
-          <a:srcRect l="30564" t="48800" r="29888" b="40933"/>
+          <a:srcRect l="22830" t="10949" r="22948" b="73"/>
           <a:stretch/>
         </p:blipFill>
         <p:spPr>
           <a:xfrm>
-            <a:off x="3676396" y="3455318"/>
-            <a:ext cx="4839207" cy="837502"/>
+            <a:off x="4751830" y="2797824"/>
+            <a:ext cx="2651760" cy="2900996"/>
           </a:xfrm>
           <a:prstGeom prst="rect">
             <a:avLst/>
@@ -10780,21 +11078,28 @@
       </p:pic>
       <p:sp>
         <p:nvSpPr>
-          <p:cNvPr id="3" name="Rectangle 2"/>
-          <p:cNvSpPr/>
-          <p:nvPr/>
-        </p:nvSpPr>
-        <p:spPr>
-          <a:xfrm>
-            <a:off x="1745466" y="5760071"/>
-            <a:ext cx="8701068" cy="830997"/>
+          <p:cNvPr id="11" name="ZoneTexte 7">
+            <a:extLst>
+              <a:ext uri="{FF2B5EF4-FFF2-40B4-BE49-F238E27FC236}">
+                <a16:creationId xmlns:a16="http://schemas.microsoft.com/office/drawing/2014/main" id="{95989657-5D8A-49A2-B814-16BCC8CDACB2}"/>
+              </a:ext>
+            </a:extLst>
+          </p:cNvPr>
+          <p:cNvSpPr txBox="1"/>
+          <p:nvPr/>
+        </p:nvSpPr>
+        <p:spPr>
+          <a:xfrm>
+            <a:off x="1874195" y="1044401"/>
+            <a:ext cx="8443609" cy="1354217"/>
           </a:xfrm>
           <a:prstGeom prst="rect">
             <a:avLst/>
           </a:prstGeom>
-        </p:spPr>
-        <p:txBody>
-          <a:bodyPr wrap="square">
+          <a:noFill/>
+        </p:spPr>
+        <p:txBody>
+          <a:bodyPr wrap="square" rtlCol="0">
             <a:spAutoFit/>
           </a:bodyPr>
           <a:lstStyle/>
@@ -10805,8 +11110,28 @@
               </a:spcAft>
             </a:pPr>
             <a:r>
+              <a:rPr lang="en-GB" sz="2400" dirty="0"/>
+              <a:t>Apr</a:t>
+            </a:r>
+            <a:r>
               <a:rPr lang="en-US" sz="2400" dirty="0" err="1"/>
-              <a:t>Répondez</a:t>
+              <a:t>ès</a:t>
+            </a:r>
+            <a:r>
+              <a:rPr lang="en-US" sz="2400" dirty="0"/>
+              <a:t> le auto-</a:t>
+            </a:r>
+            <a:r>
+              <a:rPr lang="en-US" sz="2400" dirty="0" err="1"/>
+              <a:t>évaluations</a:t>
+            </a:r>
+            <a:r>
+              <a:rPr lang="en-US" sz="2400" dirty="0"/>
+              <a:t>, nous </a:t>
+            </a:r>
+            <a:r>
+              <a:rPr lang="en-US" sz="2400" dirty="0" err="1"/>
+              <a:t>vous</a:t>
             </a:r>
             <a:r>
               <a:rPr lang="en-US" sz="2400" dirty="0"/>
@@ -10814,7 +11139,34 @@
             </a:r>
             <a:r>
               <a:rPr lang="en-US" sz="2400" dirty="0" err="1"/>
-              <a:t>en</a:t>
+              <a:t>donnerons</a:t>
+            </a:r>
+            <a:r>
+              <a:rPr lang="en-US" sz="2400" dirty="0"/>
+              <a:t> un retour sur </a:t>
+            </a:r>
+            <a:r>
+              <a:rPr lang="en-US" sz="2400" dirty="0" err="1"/>
+              <a:t>votre</a:t>
+            </a:r>
+            <a:r>
+              <a:rPr lang="en-US" sz="2400" dirty="0"/>
+              <a:t> performance.</a:t>
+            </a:r>
+          </a:p>
+          <a:p>
+            <a:pPr algn="ctr">
+              <a:spcAft>
+                <a:spcPts val="1200"/>
+              </a:spcAft>
+            </a:pPr>
+            <a:r>
+              <a:rPr lang="en-US" sz="2400" dirty="0"/>
+              <a:t>Nous </a:t>
+            </a:r>
+            <a:r>
+              <a:rPr lang="en-US" sz="2400" dirty="0" err="1"/>
+              <a:t>vous</a:t>
             </a:r>
             <a:r>
               <a:rPr lang="en-US" sz="2400" dirty="0"/>
@@ -10822,15 +11174,31 @@
             </a:r>
             <a:r>
               <a:rPr lang="en-US" sz="2400" dirty="0" err="1"/>
-              <a:t>cliquant</a:t>
+              <a:t>montrerons</a:t>
             </a:r>
             <a:r>
               <a:rPr lang="en-US" sz="2400" dirty="0"/>
-              <a:t> sur le </a:t>
+              <a:t>, </a:t>
             </a:r>
             <a:r>
               <a:rPr lang="en-US" sz="2400" dirty="0" err="1"/>
-              <a:t>nombre</a:t>
+              <a:t>une</a:t>
+            </a:r>
+            <a:r>
+              <a:rPr lang="en-US" sz="2400" dirty="0"/>
+              <a:t> à </a:t>
+            </a:r>
+            <a:r>
+              <a:rPr lang="en-US" sz="2400" dirty="0" err="1"/>
+              <a:t>une</a:t>
+            </a:r>
+            <a:r>
+              <a:rPr lang="en-US" sz="2400" dirty="0"/>
+              <a:t>, </a:t>
+            </a:r>
+            <a:r>
+              <a:rPr lang="en-US" sz="2400" dirty="0" err="1"/>
+              <a:t>chaque</a:t>
             </a:r>
             <a:r>
               <a:rPr lang="en-US" sz="2400" dirty="0"/>
@@ -10838,59 +11206,159 @@
             </a:r>
             <a:r>
               <a:rPr lang="en-US" sz="2400" dirty="0" err="1"/>
-              <a:t>d’emplacements</a:t>
+              <a:t>paire</a:t>
             </a:r>
             <a:r>
               <a:rPr lang="en-US" sz="2400" dirty="0"/>
-              <a:t> que </a:t>
+              <a:t> de </a:t>
             </a:r>
             <a:r>
               <a:rPr lang="en-US" sz="2400" dirty="0" err="1"/>
+              <a:t>chiffres</a:t>
+            </a:r>
+            <a:r>
+              <a:rPr lang="en-US" sz="2400" dirty="0"/>
+              <a:t>:</a:t>
+            </a:r>
+          </a:p>
+        </p:txBody>
+      </p:sp>
+      <p:cxnSp>
+        <p:nvCxnSpPr>
+          <p:cNvPr id="12" name="Straight Arrow Connector 11">
+            <a:extLst>
+              <a:ext uri="{FF2B5EF4-FFF2-40B4-BE49-F238E27FC236}">
+                <a16:creationId xmlns:a16="http://schemas.microsoft.com/office/drawing/2014/main" id="{016FCF26-4DF1-442A-897B-9167C8A5216B}"/>
+              </a:ext>
+            </a:extLst>
+          </p:cNvPr>
+          <p:cNvCxnSpPr>
+            <a:cxnSpLocks/>
+          </p:cNvCxnSpPr>
+          <p:nvPr/>
+        </p:nvCxnSpPr>
+        <p:spPr>
+          <a:xfrm>
+            <a:off x="2578608" y="3183975"/>
+            <a:ext cx="2103120" cy="588859"/>
+          </a:xfrm>
+          <a:prstGeom prst="straightConnector1">
+            <a:avLst/>
+          </a:prstGeom>
+          <a:ln w="57150">
+            <a:solidFill>
+              <a:srgbClr val="FF0000"/>
+            </a:solidFill>
+            <a:tailEnd type="triangle"/>
+          </a:ln>
+        </p:spPr>
+        <p:style>
+          <a:lnRef idx="3">
+            <a:schemeClr val="accent2"/>
+          </a:lnRef>
+          <a:fillRef idx="0">
+            <a:schemeClr val="accent2"/>
+          </a:fillRef>
+          <a:effectRef idx="2">
+            <a:schemeClr val="accent2"/>
+          </a:effectRef>
+          <a:fontRef idx="minor">
+            <a:schemeClr val="tx1"/>
+          </a:fontRef>
+        </p:style>
+      </p:cxnSp>
+      <p:sp>
+        <p:nvSpPr>
+          <p:cNvPr id="2" name="Rectangle 1"/>
+          <p:cNvSpPr/>
+          <p:nvPr/>
+        </p:nvSpPr>
+        <p:spPr>
+          <a:xfrm>
+            <a:off x="797257" y="6049226"/>
+            <a:ext cx="10597486" cy="461665"/>
+          </a:xfrm>
+          <a:prstGeom prst="rect">
+            <a:avLst/>
+          </a:prstGeom>
+        </p:spPr>
+        <p:txBody>
+          <a:bodyPr wrap="square">
+            <a:spAutoFit/>
+          </a:bodyPr>
+          <a:lstStyle/>
+          <a:p>
+            <a:pPr algn="ctr">
+              <a:spcAft>
+                <a:spcPts val="1200"/>
+              </a:spcAft>
+            </a:pPr>
+            <a:r>
+              <a:rPr lang="en-GB" sz="2400" dirty="0"/>
+              <a:t>Le </a:t>
+            </a:r>
+            <a:r>
+              <a:rPr lang="en-GB" sz="2400" dirty="0" err="1"/>
+              <a:t>chiffre</a:t>
+            </a:r>
+            <a:r>
+              <a:rPr lang="en-GB" sz="2400" dirty="0"/>
+              <a:t> qui </a:t>
+            </a:r>
+            <a:r>
+              <a:rPr lang="en-GB" sz="2400" dirty="0" err="1"/>
               <a:t>vous</a:t>
             </a:r>
             <a:r>
-              <a:rPr lang="en-US" sz="2400" dirty="0"/>
+              <a:rPr lang="en-GB" sz="2400" dirty="0"/>
+              <a:t> a </a:t>
+            </a:r>
+            <a:r>
+              <a:rPr lang="en-GB" sz="2400" dirty="0" err="1"/>
+              <a:t>été</a:t>
+            </a:r>
+            <a:r>
+              <a:rPr lang="en-GB" sz="2400" dirty="0"/>
               <a:t> </a:t>
             </a:r>
             <a:r>
-              <a:rPr lang="en-US" sz="2400" dirty="0" err="1"/>
-              <a:t>pensez</a:t>
-            </a:r>
-            <a:r>
-              <a:rPr lang="en-US" sz="2400" dirty="0"/>
+              <a:rPr lang="en-GB" sz="2400" dirty="0" err="1"/>
+              <a:t>montré</a:t>
+            </a:r>
+            <a:r>
+              <a:rPr lang="en-GB" sz="2400" dirty="0"/>
+              <a:t> pendant la phase de test sera </a:t>
+            </a:r>
+            <a:r>
+              <a:rPr lang="en-GB" sz="2400" dirty="0" err="1"/>
+              <a:t>surligné</a:t>
+            </a:r>
+            <a:r>
+              <a:rPr lang="en-GB" sz="2400" dirty="0"/>
               <a:t> </a:t>
             </a:r>
             <a:r>
-              <a:rPr lang="en-US" sz="2400" dirty="0" err="1"/>
-              <a:t>avoir</a:t>
-            </a:r>
-            <a:r>
-              <a:rPr lang="en-US" sz="2400" dirty="0"/>
+              <a:rPr lang="en-GB" sz="2400" dirty="0" err="1"/>
+              <a:t>en</a:t>
+            </a:r>
+            <a:r>
+              <a:rPr lang="en-GB" sz="2400" dirty="0"/>
               <a:t> </a:t>
             </a:r>
             <a:r>
-              <a:rPr lang="en-US" sz="2400" dirty="0" err="1"/>
-              <a:t>correctement</a:t>
-            </a:r>
-            <a:r>
-              <a:rPr lang="en-US" sz="2400" dirty="0"/>
-              <a:t> </a:t>
-            </a:r>
-            <a:r>
-              <a:rPr lang="en-US" sz="2400" dirty="0" err="1"/>
-              <a:t>deviné</a:t>
-            </a:r>
-            <a:r>
-              <a:rPr lang="en-US" sz="2400" dirty="0"/>
-              <a:t>!</a:t>
-            </a:r>
-            <a:endParaRPr lang="en-GB" sz="2400" dirty="0"/>
-          </a:p>
-        </p:txBody>
-      </p:sp>
-      <p:sp>
-        <p:nvSpPr>
-          <p:cNvPr id="10" name="ZoneTexte 9"/>
+              <a:rPr lang="en-GB" sz="2400" dirty="0" err="1"/>
+              <a:t>jaune</a:t>
+            </a:r>
+            <a:r>
+              <a:rPr lang="en-GB" sz="2400" dirty="0"/>
+              <a:t>.</a:t>
+            </a:r>
+          </a:p>
+        </p:txBody>
+      </p:sp>
+      <p:sp>
+        <p:nvSpPr>
+          <p:cNvPr id="13" name="ZoneTexte 12"/>
           <p:cNvSpPr txBox="1"/>
           <p:nvPr/>
         </p:nvSpPr>
@@ -10927,15 +11395,171 @@
                   <a:srgbClr val="0070C0"/>
                 </a:solidFill>
               </a:rPr>
-              <a:t>ETAPE 5 : AUTO-ÉVALUATION</a:t>
-            </a:r>
+              <a:t>ETAPE 6 – ÉVALUATION DE VOS RÉPONSES</a:t>
+            </a:r>
+          </a:p>
+        </p:txBody>
+      </p:sp>
+      <p:sp>
+        <p:nvSpPr>
+          <p:cNvPr id="4" name="Rectangle 3"/>
+          <p:cNvSpPr/>
+          <p:nvPr/>
+        </p:nvSpPr>
+        <p:spPr>
+          <a:xfrm>
+            <a:off x="4787361" y="3509319"/>
+            <a:ext cx="508392" cy="515453"/>
+          </a:xfrm>
+          <a:prstGeom prst="rect">
+            <a:avLst/>
+          </a:prstGeom>
+          <a:solidFill>
+            <a:schemeClr val="bg1"/>
+          </a:solidFill>
+          <a:ln>
+            <a:solidFill>
+              <a:schemeClr val="bg1"/>
+            </a:solidFill>
+          </a:ln>
+        </p:spPr>
+        <p:style>
+          <a:lnRef idx="2">
+            <a:schemeClr val="accent1">
+              <a:shade val="50000"/>
+            </a:schemeClr>
+          </a:lnRef>
+          <a:fillRef idx="1">
+            <a:schemeClr val="accent1"/>
+          </a:fillRef>
+          <a:effectRef idx="0">
+            <a:schemeClr val="accent1"/>
+          </a:effectRef>
+          <a:fontRef idx="minor">
+            <a:schemeClr val="lt1"/>
+          </a:fontRef>
+        </p:style>
+        <p:txBody>
+          <a:bodyPr rtlCol="0" anchor="ctr"/>
+          <a:lstStyle/>
+          <a:p>
+            <a:pPr algn="ctr"/>
+            <a:endParaRPr lang="en-GB" dirty="0"/>
+          </a:p>
+        </p:txBody>
+      </p:sp>
+      <p:sp>
+        <p:nvSpPr>
+          <p:cNvPr id="5" name="ZoneTexte 4"/>
+          <p:cNvSpPr txBox="1"/>
+          <p:nvPr/>
+        </p:nvSpPr>
+        <p:spPr>
+          <a:xfrm>
+            <a:off x="4857853" y="3501552"/>
+            <a:ext cx="367408" cy="523220"/>
+          </a:xfrm>
+          <a:prstGeom prst="rect">
+            <a:avLst/>
+          </a:prstGeom>
+          <a:noFill/>
+        </p:spPr>
+        <p:txBody>
+          <a:bodyPr wrap="none" rtlCol="0">
+            <a:spAutoFit/>
+          </a:bodyPr>
+          <a:lstStyle/>
+          <a:p>
+            <a:r>
+              <a:rPr lang="en-GB" sz="2800" dirty="0"/>
+              <a:t>1</a:t>
+            </a:r>
+            <a:endParaRPr lang="en-GB" dirty="0"/>
+          </a:p>
+        </p:txBody>
+      </p:sp>
+      <p:sp>
+        <p:nvSpPr>
+          <p:cNvPr id="14" name="Rectangle 13"/>
+          <p:cNvSpPr/>
+          <p:nvPr/>
+        </p:nvSpPr>
+        <p:spPr>
+          <a:xfrm>
+            <a:off x="6161315" y="4194825"/>
+            <a:ext cx="508392" cy="515453"/>
+          </a:xfrm>
+          <a:prstGeom prst="rect">
+            <a:avLst/>
+          </a:prstGeom>
+          <a:solidFill>
+            <a:schemeClr val="bg1"/>
+          </a:solidFill>
+          <a:ln>
+            <a:solidFill>
+              <a:schemeClr val="bg1"/>
+            </a:solidFill>
+          </a:ln>
+        </p:spPr>
+        <p:style>
+          <a:lnRef idx="2">
+            <a:schemeClr val="accent1">
+              <a:shade val="50000"/>
+            </a:schemeClr>
+          </a:lnRef>
+          <a:fillRef idx="1">
+            <a:schemeClr val="accent1"/>
+          </a:fillRef>
+          <a:effectRef idx="0">
+            <a:schemeClr val="accent1"/>
+          </a:effectRef>
+          <a:fontRef idx="minor">
+            <a:schemeClr val="lt1"/>
+          </a:fontRef>
+        </p:style>
+        <p:txBody>
+          <a:bodyPr rtlCol="0" anchor="ctr"/>
+          <a:lstStyle/>
+          <a:p>
+            <a:pPr algn="ctr"/>
+            <a:endParaRPr lang="en-GB" dirty="0"/>
+          </a:p>
+        </p:txBody>
+      </p:sp>
+      <p:sp>
+        <p:nvSpPr>
+          <p:cNvPr id="6" name="ZoneTexte 5"/>
+          <p:cNvSpPr txBox="1"/>
+          <p:nvPr/>
+        </p:nvSpPr>
+        <p:spPr>
+          <a:xfrm>
+            <a:off x="6245458" y="4197766"/>
+            <a:ext cx="367408" cy="523220"/>
+          </a:xfrm>
+          <a:prstGeom prst="rect">
+            <a:avLst/>
+          </a:prstGeom>
+          <a:noFill/>
+        </p:spPr>
+        <p:txBody>
+          <a:bodyPr wrap="none" rtlCol="0">
+            <a:spAutoFit/>
+          </a:bodyPr>
+          <a:lstStyle/>
+          <a:p>
+            <a:r>
+              <a:rPr lang="en-GB" sz="2800" dirty="0"/>
+              <a:t>1</a:t>
+            </a:r>
+            <a:endParaRPr lang="en-GB" dirty="0"/>
           </a:p>
         </p:txBody>
       </p:sp>
     </p:spTree>
     <p:extLst>
       <p:ext uri="{BB962C8B-B14F-4D97-AF65-F5344CB8AC3E}">
-        <p14:creationId xmlns:p14="http://schemas.microsoft.com/office/powerpoint/2010/main" val="606719304"/>
+        <p14:creationId xmlns:p14="http://schemas.microsoft.com/office/powerpoint/2010/main" val="3322692336"/>
       </p:ext>
     </p:extLst>
   </p:cSld>
@@ -10970,7 +11594,7 @@
         </p:nvSpPr>
         <p:spPr>
           <a:xfrm>
-            <a:off x="3554499" y="2707708"/>
+            <a:off x="3554499" y="2757750"/>
             <a:ext cx="5083002" cy="3026364"/>
           </a:xfrm>
           <a:prstGeom prst="rect">
@@ -11035,7 +11659,7 @@
         </p:blipFill>
         <p:spPr>
           <a:xfrm>
-            <a:off x="4751830" y="2797824"/>
+            <a:off x="4751830" y="2847866"/>
             <a:ext cx="2651760" cy="2900996"/>
           </a:xfrm>
           <a:prstGeom prst="rect">
@@ -11045,10 +11669,10 @@
       </p:pic>
       <p:sp>
         <p:nvSpPr>
-          <p:cNvPr id="11" name="ZoneTexte 7">
+          <p:cNvPr id="12" name="ZoneTexte 7">
             <a:extLst>
               <a:ext uri="{FF2B5EF4-FFF2-40B4-BE49-F238E27FC236}">
-                <a16:creationId xmlns:a16="http://schemas.microsoft.com/office/drawing/2014/main" id="{95989657-5D8A-49A2-B814-16BCC8CDACB2}"/>
+                <a16:creationId xmlns:a16="http://schemas.microsoft.com/office/drawing/2014/main" id="{F02FD1A1-9929-44D9-9F07-EED2E9FF9F21}"/>
               </a:ext>
             </a:extLst>
           </p:cNvPr>
@@ -11057,8 +11681,8 @@
         </p:nvSpPr>
         <p:spPr>
           <a:xfrm>
-            <a:off x="1874195" y="1044401"/>
-            <a:ext cx="8443609" cy="1354217"/>
+            <a:off x="1467110" y="1545401"/>
+            <a:ext cx="9257780" cy="461665"/>
           </a:xfrm>
           <a:prstGeom prst="rect">
             <a:avLst/>
@@ -11078,124 +11702,73 @@
             </a:pPr>
             <a:r>
               <a:rPr lang="en-GB" sz="2400" dirty="0"/>
-              <a:t>Apr</a:t>
-            </a:r>
-            <a:r>
-              <a:rPr lang="en-US" sz="2400" dirty="0" err="1"/>
-              <a:t>ès</a:t>
-            </a:r>
-            <a:r>
-              <a:rPr lang="en-US" sz="2400" dirty="0"/>
-              <a:t> le auto-</a:t>
-            </a:r>
-            <a:r>
-              <a:rPr lang="en-US" sz="2400" dirty="0" err="1"/>
-              <a:t>évaluations</a:t>
-            </a:r>
-            <a:r>
-              <a:rPr lang="en-US" sz="2400" dirty="0"/>
-              <a:t>, nous </a:t>
-            </a:r>
-            <a:r>
-              <a:rPr lang="en-US" sz="2400" dirty="0" err="1"/>
+              <a:t>Si </a:t>
+            </a:r>
+            <a:r>
+              <a:rPr lang="en-GB" sz="2400" dirty="0" err="1"/>
               <a:t>vous</a:t>
             </a:r>
             <a:r>
-              <a:rPr lang="en-US" sz="2400" dirty="0"/>
+              <a:rPr lang="en-GB" sz="2400" dirty="0"/>
               <a:t> </a:t>
             </a:r>
             <a:r>
-              <a:rPr lang="en-US" sz="2400" dirty="0" err="1"/>
-              <a:t>donnerons</a:t>
-            </a:r>
-            <a:r>
-              <a:rPr lang="en-US" sz="2400" dirty="0"/>
-              <a:t> un retour sur </a:t>
-            </a:r>
-            <a:r>
-              <a:rPr lang="en-US" sz="2400" dirty="0" err="1"/>
-              <a:t>votre</a:t>
-            </a:r>
-            <a:r>
-              <a:rPr lang="en-US" sz="2400" dirty="0"/>
-              <a:t> performance.</a:t>
-            </a:r>
-          </a:p>
-          <a:p>
-            <a:pPr algn="ctr">
-              <a:spcAft>
-                <a:spcPts val="1200"/>
-              </a:spcAft>
-            </a:pPr>
-            <a:r>
-              <a:rPr lang="en-US" sz="2400" dirty="0"/>
-              <a:t>Nous </a:t>
-            </a:r>
-            <a:r>
-              <a:rPr lang="en-US" sz="2400" dirty="0" err="1"/>
-              <a:t>vous</a:t>
-            </a:r>
-            <a:r>
-              <a:rPr lang="en-US" sz="2400" dirty="0"/>
+              <a:rPr lang="en-GB" sz="2400" dirty="0" err="1"/>
+              <a:t>avez</a:t>
+            </a:r>
+            <a:r>
+              <a:rPr lang="en-GB" sz="2400" dirty="0"/>
               <a:t> </a:t>
             </a:r>
             <a:r>
-              <a:rPr lang="en-US" sz="2400" dirty="0" err="1"/>
-              <a:t>montrerons</a:t>
-            </a:r>
-            <a:r>
-              <a:rPr lang="en-US" sz="2400" dirty="0"/>
+              <a:rPr lang="en-GB" sz="2400" dirty="0" err="1"/>
+              <a:t>désigné</a:t>
+            </a:r>
+            <a:r>
+              <a:rPr lang="en-GB" sz="2400" dirty="0"/>
+              <a:t> un emplacement </a:t>
+            </a:r>
+            <a:r>
+              <a:rPr lang="en-GB" sz="2400" dirty="0" err="1"/>
+              <a:t>erronné</a:t>
+            </a:r>
+            <a:r>
+              <a:rPr lang="en-GB" sz="2400" dirty="0"/>
               <a:t>, </a:t>
             </a:r>
             <a:r>
-              <a:rPr lang="en-US" sz="2400" dirty="0" err="1"/>
-              <a:t>une</a:t>
-            </a:r>
-            <a:r>
-              <a:rPr lang="en-US" sz="2400" dirty="0"/>
-              <a:t> à </a:t>
-            </a:r>
-            <a:r>
-              <a:rPr lang="en-US" sz="2400" dirty="0" err="1"/>
-              <a:t>une</a:t>
-            </a:r>
-            <a:r>
-              <a:rPr lang="en-US" sz="2400" dirty="0"/>
-              <a:t>, </a:t>
-            </a:r>
-            <a:r>
-              <a:rPr lang="en-US" sz="2400" dirty="0" err="1"/>
-              <a:t>chaque</a:t>
-            </a:r>
-            <a:r>
-              <a:rPr lang="en-US" sz="2400" dirty="0"/>
+              <a:rPr lang="en-GB" sz="2400" dirty="0" err="1"/>
+              <a:t>il</a:t>
+            </a:r>
+            <a:r>
+              <a:rPr lang="en-GB" sz="2400" dirty="0"/>
+              <a:t> sera </a:t>
+            </a:r>
+            <a:r>
+              <a:rPr lang="en-GB" sz="2400" dirty="0" err="1"/>
+              <a:t>surligné</a:t>
+            </a:r>
+            <a:r>
+              <a:rPr lang="en-GB" sz="2400" dirty="0"/>
               <a:t> </a:t>
             </a:r>
             <a:r>
-              <a:rPr lang="en-US" sz="2400" dirty="0" err="1"/>
-              <a:t>paire</a:t>
-            </a:r>
-            <a:r>
-              <a:rPr lang="en-US" sz="2400" dirty="0"/>
-              <a:t> de </a:t>
-            </a:r>
-            <a:r>
-              <a:rPr lang="en-US" sz="2400" dirty="0" err="1"/>
-              <a:t>chiffres</a:t>
-            </a:r>
-            <a:r>
-              <a:rPr lang="en-US" sz="2400" dirty="0"/>
-              <a:t>:</a:t>
+              <a:rPr lang="en-GB" sz="2400" dirty="0" err="1"/>
+              <a:t>en</a:t>
+            </a:r>
+            <a:r>
+              <a:rPr lang="en-GB" sz="2400" dirty="0"/>
+              <a:t> rouge:</a:t>
             </a:r>
           </a:p>
         </p:txBody>
       </p:sp>
       <p:cxnSp>
         <p:nvCxnSpPr>
-          <p:cNvPr id="12" name="Straight Arrow Connector 11">
+          <p:cNvPr id="13" name="Straight Arrow Connector 12">
             <a:extLst>
               <a:ext uri="{FF2B5EF4-FFF2-40B4-BE49-F238E27FC236}">
-                <a16:creationId xmlns:a16="http://schemas.microsoft.com/office/drawing/2014/main" id="{016FCF26-4DF1-442A-897B-9167C8A5216B}"/>
+                <a16:creationId xmlns:a16="http://schemas.microsoft.com/office/drawing/2014/main" id="{FCCD4248-E6AC-4B59-A117-145AA482BE3A}"/>
               </a:ext>
             </a:extLst>
           </p:cNvPr>
@@ -11205,9 +11778,9 @@
           <p:nvPr/>
         </p:nvCxnSpPr>
         <p:spPr>
-          <a:xfrm>
-            <a:off x="2578608" y="3183975"/>
-            <a:ext cx="2103120" cy="588859"/>
+          <a:xfrm flipV="1">
+            <a:off x="2331720" y="4572684"/>
+            <a:ext cx="2350008" cy="917916"/>
           </a:xfrm>
           <a:prstGeom prst="straightConnector1">
             <a:avLst/>
@@ -11236,96 +11809,7 @@
       </p:cxnSp>
       <p:sp>
         <p:nvSpPr>
-          <p:cNvPr id="2" name="Rectangle 1"/>
-          <p:cNvSpPr/>
-          <p:nvPr/>
-        </p:nvSpPr>
-        <p:spPr>
-          <a:xfrm>
-            <a:off x="797257" y="6049226"/>
-            <a:ext cx="10597486" cy="461665"/>
-          </a:xfrm>
-          <a:prstGeom prst="rect">
-            <a:avLst/>
-          </a:prstGeom>
-        </p:spPr>
-        <p:txBody>
-          <a:bodyPr wrap="square">
-            <a:spAutoFit/>
-          </a:bodyPr>
-          <a:lstStyle/>
-          <a:p>
-            <a:pPr algn="ctr">
-              <a:spcAft>
-                <a:spcPts val="1200"/>
-              </a:spcAft>
-            </a:pPr>
-            <a:r>
-              <a:rPr lang="en-GB" sz="2400" dirty="0"/>
-              <a:t>Le </a:t>
-            </a:r>
-            <a:r>
-              <a:rPr lang="en-GB" sz="2400" dirty="0" err="1"/>
-              <a:t>chiffre</a:t>
-            </a:r>
-            <a:r>
-              <a:rPr lang="en-GB" sz="2400" dirty="0"/>
-              <a:t> qui </a:t>
-            </a:r>
-            <a:r>
-              <a:rPr lang="en-GB" sz="2400" dirty="0" err="1"/>
-              <a:t>vous</a:t>
-            </a:r>
-            <a:r>
-              <a:rPr lang="en-GB" sz="2400" dirty="0"/>
-              <a:t> a </a:t>
-            </a:r>
-            <a:r>
-              <a:rPr lang="en-GB" sz="2400" dirty="0" err="1"/>
-              <a:t>été</a:t>
-            </a:r>
-            <a:r>
-              <a:rPr lang="en-GB" sz="2400" dirty="0"/>
-              <a:t> </a:t>
-            </a:r>
-            <a:r>
-              <a:rPr lang="en-GB" sz="2400" dirty="0" err="1"/>
-              <a:t>montré</a:t>
-            </a:r>
-            <a:r>
-              <a:rPr lang="en-GB" sz="2400" dirty="0"/>
-              <a:t> pendant la phase de test sera </a:t>
-            </a:r>
-            <a:r>
-              <a:rPr lang="en-GB" sz="2400" dirty="0" err="1"/>
-              <a:t>surligné</a:t>
-            </a:r>
-            <a:r>
-              <a:rPr lang="en-GB" sz="2400" dirty="0"/>
-              <a:t> </a:t>
-            </a:r>
-            <a:r>
-              <a:rPr lang="en-GB" sz="2400" dirty="0" err="1"/>
-              <a:t>en</a:t>
-            </a:r>
-            <a:r>
-              <a:rPr lang="en-GB" sz="2400" dirty="0"/>
-              <a:t> </a:t>
-            </a:r>
-            <a:r>
-              <a:rPr lang="en-GB" sz="2400" dirty="0" err="1"/>
-              <a:t>jaune</a:t>
-            </a:r>
-            <a:r>
-              <a:rPr lang="en-GB" sz="2400" dirty="0"/>
-              <a:t>.</a:t>
-            </a:r>
-          </a:p>
-        </p:txBody>
-      </p:sp>
-      <p:sp>
-        <p:nvSpPr>
-          <p:cNvPr id="13" name="ZoneTexte 12"/>
+          <p:cNvPr id="7" name="ZoneTexte 6"/>
           <p:cNvSpPr txBox="1"/>
           <p:nvPr/>
         </p:nvSpPr>
@@ -11369,13 +11853,13 @@
       </p:sp>
       <p:sp>
         <p:nvSpPr>
-          <p:cNvPr id="4" name="Rectangle 3"/>
+          <p:cNvPr id="8" name="Rectangle 7"/>
           <p:cNvSpPr/>
           <p:nvPr/>
         </p:nvSpPr>
         <p:spPr>
           <a:xfrm>
-            <a:off x="4787361" y="3509319"/>
+            <a:off x="4787361" y="3555216"/>
             <a:ext cx="508392" cy="515453"/>
           </a:xfrm>
           <a:prstGeom prst="rect">
@@ -11417,13 +11901,13 @@
       </p:sp>
       <p:sp>
         <p:nvSpPr>
-          <p:cNvPr id="5" name="ZoneTexte 4"/>
+          <p:cNvPr id="11" name="ZoneTexte 10"/>
           <p:cNvSpPr txBox="1"/>
           <p:nvPr/>
         </p:nvSpPr>
         <p:spPr>
           <a:xfrm>
-            <a:off x="4857853" y="3501552"/>
+            <a:off x="4857853" y="3547449"/>
             <a:ext cx="367408" cy="523220"/>
           </a:xfrm>
           <a:prstGeom prst="rect">
@@ -11453,7 +11937,7 @@
         </p:nvSpPr>
         <p:spPr>
           <a:xfrm>
-            <a:off x="6161315" y="4194825"/>
+            <a:off x="6164846" y="4244253"/>
             <a:ext cx="508392" cy="515453"/>
           </a:xfrm>
           <a:prstGeom prst="rect">
@@ -11495,13 +11979,13 @@
       </p:sp>
       <p:sp>
         <p:nvSpPr>
-          <p:cNvPr id="6" name="ZoneTexte 5"/>
+          <p:cNvPr id="15" name="ZoneTexte 14"/>
           <p:cNvSpPr txBox="1"/>
           <p:nvPr/>
         </p:nvSpPr>
         <p:spPr>
           <a:xfrm>
-            <a:off x="6245458" y="4197766"/>
+            <a:off x="6245458" y="4243663"/>
             <a:ext cx="367408" cy="523220"/>
           </a:xfrm>
           <a:prstGeom prst="rect">
@@ -11526,7 +12010,7 @@
     </p:spTree>
     <p:extLst>
       <p:ext uri="{BB962C8B-B14F-4D97-AF65-F5344CB8AC3E}">
-        <p14:creationId xmlns:p14="http://schemas.microsoft.com/office/powerpoint/2010/main" val="3322692336"/>
+        <p14:creationId xmlns:p14="http://schemas.microsoft.com/office/powerpoint/2010/main" val="857338445"/>
       </p:ext>
     </p:extLst>
   </p:cSld>
@@ -11561,7 +12045,7 @@
         </p:nvSpPr>
         <p:spPr>
           <a:xfrm>
-            <a:off x="3554499" y="2757750"/>
+            <a:off x="3554499" y="2694060"/>
             <a:ext cx="5083002" cy="3026364"/>
           </a:xfrm>
           <a:prstGeom prst="rect">
@@ -11607,10 +12091,10 @@
       </p:sp>
       <p:pic>
         <p:nvPicPr>
-          <p:cNvPr id="10" name="Picture 9">
+          <p:cNvPr id="6" name="Picture 5">
             <a:extLst>
               <a:ext uri="{FF2B5EF4-FFF2-40B4-BE49-F238E27FC236}">
-                <a16:creationId xmlns:a16="http://schemas.microsoft.com/office/drawing/2014/main" id="{93D8FE7F-D7E9-4D36-829D-0129FED49DE2}"/>
+                <a16:creationId xmlns:a16="http://schemas.microsoft.com/office/drawing/2014/main" id="{1BA460D6-8CE1-4EEE-AE87-3496959FE4AD}"/>
               </a:ext>
             </a:extLst>
           </p:cNvPr>
@@ -11621,121 +12105,25 @@
         </p:nvPicPr>
         <p:blipFill rotWithShape="1">
           <a:blip r:embed="rId2"/>
-          <a:srcRect l="22830" t="10949" r="22948" b="73"/>
+          <a:srcRect l="22258" t="9539" r="21855" b="462"/>
           <a:stretch/>
         </p:blipFill>
         <p:spPr>
           <a:xfrm>
-            <a:off x="4751830" y="2847866"/>
-            <a:ext cx="2651760" cy="2900996"/>
+            <a:off x="4728970" y="2739630"/>
+            <a:ext cx="2734056" cy="2935224"/>
           </a:xfrm>
           <a:prstGeom prst="rect">
             <a:avLst/>
           </a:prstGeom>
         </p:spPr>
       </p:pic>
-      <p:sp>
-        <p:nvSpPr>
-          <p:cNvPr id="12" name="ZoneTexte 7">
+      <p:cxnSp>
+        <p:nvCxnSpPr>
+          <p:cNvPr id="15" name="Straight Arrow Connector 14">
             <a:extLst>
               <a:ext uri="{FF2B5EF4-FFF2-40B4-BE49-F238E27FC236}">
-                <a16:creationId xmlns:a16="http://schemas.microsoft.com/office/drawing/2014/main" id="{F02FD1A1-9929-44D9-9F07-EED2E9FF9F21}"/>
-              </a:ext>
-            </a:extLst>
-          </p:cNvPr>
-          <p:cNvSpPr txBox="1"/>
-          <p:nvPr/>
-        </p:nvSpPr>
-        <p:spPr>
-          <a:xfrm>
-            <a:off x="1467110" y="1545401"/>
-            <a:ext cx="9257780" cy="461665"/>
-          </a:xfrm>
-          <a:prstGeom prst="rect">
-            <a:avLst/>
-          </a:prstGeom>
-          <a:noFill/>
-        </p:spPr>
-        <p:txBody>
-          <a:bodyPr wrap="square" rtlCol="0">
-            <a:spAutoFit/>
-          </a:bodyPr>
-          <a:lstStyle/>
-          <a:p>
-            <a:pPr algn="ctr">
-              <a:spcAft>
-                <a:spcPts val="1200"/>
-              </a:spcAft>
-            </a:pPr>
-            <a:r>
-              <a:rPr lang="en-GB" sz="2400" dirty="0"/>
-              <a:t>Si </a:t>
-            </a:r>
-            <a:r>
-              <a:rPr lang="en-GB" sz="2400" dirty="0" err="1"/>
-              <a:t>vous</a:t>
-            </a:r>
-            <a:r>
-              <a:rPr lang="en-GB" sz="2400" dirty="0"/>
-              <a:t> </a:t>
-            </a:r>
-            <a:r>
-              <a:rPr lang="en-GB" sz="2400" dirty="0" err="1"/>
-              <a:t>avez</a:t>
-            </a:r>
-            <a:r>
-              <a:rPr lang="en-GB" sz="2400" dirty="0"/>
-              <a:t> </a:t>
-            </a:r>
-            <a:r>
-              <a:rPr lang="en-GB" sz="2400" dirty="0" err="1"/>
-              <a:t>désigné</a:t>
-            </a:r>
-            <a:r>
-              <a:rPr lang="en-GB" sz="2400" dirty="0"/>
-              <a:t> un emplacement </a:t>
-            </a:r>
-            <a:r>
-              <a:rPr lang="en-GB" sz="2400" dirty="0" err="1"/>
-              <a:t>erronné</a:t>
-            </a:r>
-            <a:r>
-              <a:rPr lang="en-GB" sz="2400" dirty="0"/>
-              <a:t>, </a:t>
-            </a:r>
-            <a:r>
-              <a:rPr lang="en-GB" sz="2400" dirty="0" err="1"/>
-              <a:t>il</a:t>
-            </a:r>
-            <a:r>
-              <a:rPr lang="en-GB" sz="2400" dirty="0"/>
-              <a:t> sera </a:t>
-            </a:r>
-            <a:r>
-              <a:rPr lang="en-GB" sz="2400" dirty="0" err="1"/>
-              <a:t>surligné</a:t>
-            </a:r>
-            <a:r>
-              <a:rPr lang="en-GB" sz="2400" dirty="0"/>
-              <a:t> </a:t>
-            </a:r>
-            <a:r>
-              <a:rPr lang="en-GB" sz="2400" dirty="0" err="1"/>
-              <a:t>en</a:t>
-            </a:r>
-            <a:r>
-              <a:rPr lang="en-GB" sz="2400" dirty="0"/>
-              <a:t> rouge:</a:t>
-            </a:r>
-          </a:p>
-        </p:txBody>
-      </p:sp>
-      <p:cxnSp>
-        <p:nvCxnSpPr>
-          <p:cNvPr id="13" name="Straight Arrow Connector 12">
-            <a:extLst>
-              <a:ext uri="{FF2B5EF4-FFF2-40B4-BE49-F238E27FC236}">
-                <a16:creationId xmlns:a16="http://schemas.microsoft.com/office/drawing/2014/main" id="{FCCD4248-E6AC-4B59-A117-145AA482BE3A}"/>
+                <a16:creationId xmlns:a16="http://schemas.microsoft.com/office/drawing/2014/main" id="{ADEE2DD0-CFF8-4106-BE71-63AD01162339}"/>
               </a:ext>
             </a:extLst>
           </p:cNvPr>
@@ -11745,9 +12133,9 @@
           <p:nvPr/>
         </p:nvCxnSpPr>
         <p:spPr>
-          <a:xfrm flipV="1">
-            <a:off x="2331720" y="4572684"/>
-            <a:ext cx="2350008" cy="917916"/>
+          <a:xfrm flipH="1">
+            <a:off x="6875260" y="3819551"/>
+            <a:ext cx="2497340" cy="1"/>
           </a:xfrm>
           <a:prstGeom prst="straightConnector1">
             <a:avLst/>
@@ -11776,6 +12164,102 @@
       </p:cxnSp>
       <p:sp>
         <p:nvSpPr>
+          <p:cNvPr id="8" name="ZoneTexte 7">
+            <a:extLst>
+              <a:ext uri="{FF2B5EF4-FFF2-40B4-BE49-F238E27FC236}">
+                <a16:creationId xmlns:a16="http://schemas.microsoft.com/office/drawing/2014/main" id="{F02FD1A1-9929-44D9-9F07-EED2E9FF9F21}"/>
+              </a:ext>
+            </a:extLst>
+          </p:cNvPr>
+          <p:cNvSpPr txBox="1"/>
+          <p:nvPr/>
+        </p:nvSpPr>
+        <p:spPr>
+          <a:xfrm>
+            <a:off x="1646781" y="1545401"/>
+            <a:ext cx="8898438" cy="461665"/>
+          </a:xfrm>
+          <a:prstGeom prst="rect">
+            <a:avLst/>
+          </a:prstGeom>
+          <a:noFill/>
+        </p:spPr>
+        <p:txBody>
+          <a:bodyPr wrap="square" rtlCol="0">
+            <a:spAutoFit/>
+          </a:bodyPr>
+          <a:lstStyle/>
+          <a:p>
+            <a:pPr algn="ctr">
+              <a:spcAft>
+                <a:spcPts val="1200"/>
+              </a:spcAft>
+            </a:pPr>
+            <a:r>
+              <a:rPr lang="en-GB" sz="2400" dirty="0"/>
+              <a:t>Si </a:t>
+            </a:r>
+            <a:r>
+              <a:rPr lang="en-GB" sz="2400" dirty="0" err="1"/>
+              <a:t>vous</a:t>
+            </a:r>
+            <a:r>
+              <a:rPr lang="en-GB" sz="2400" dirty="0"/>
+              <a:t> </a:t>
+            </a:r>
+            <a:r>
+              <a:rPr lang="en-GB" sz="2400" dirty="0" err="1"/>
+              <a:t>avez</a:t>
+            </a:r>
+            <a:r>
+              <a:rPr lang="en-GB" sz="2400" dirty="0"/>
+              <a:t> </a:t>
+            </a:r>
+            <a:r>
+              <a:rPr lang="en-GB" sz="2400" dirty="0" err="1"/>
+              <a:t>désigné</a:t>
+            </a:r>
+            <a:r>
+              <a:rPr lang="en-GB" sz="2400" dirty="0"/>
+              <a:t> un emplacement correct, </a:t>
+            </a:r>
+            <a:r>
+              <a:rPr lang="en-GB" sz="2400" dirty="0" err="1"/>
+              <a:t>il</a:t>
+            </a:r>
+            <a:r>
+              <a:rPr lang="en-GB" sz="2400" dirty="0"/>
+              <a:t> sera </a:t>
+            </a:r>
+            <a:r>
+              <a:rPr lang="en-GB" sz="2400" dirty="0" err="1"/>
+              <a:t>surligné</a:t>
+            </a:r>
+            <a:r>
+              <a:rPr lang="en-GB" sz="2400" dirty="0"/>
+              <a:t> </a:t>
+            </a:r>
+            <a:r>
+              <a:rPr lang="en-GB" sz="2400" dirty="0" err="1"/>
+              <a:t>en</a:t>
+            </a:r>
+            <a:r>
+              <a:rPr lang="en-GB" sz="2400" dirty="0"/>
+              <a:t> </a:t>
+            </a:r>
+            <a:r>
+              <a:rPr lang="en-GB" sz="2400" dirty="0" err="1"/>
+              <a:t>vert</a:t>
+            </a:r>
+            <a:r>
+              <a:rPr lang="en-GB" sz="2400" dirty="0"/>
+              <a:t>:</a:t>
+            </a:r>
+          </a:p>
+        </p:txBody>
+      </p:sp>
+      <p:sp>
+        <p:nvSpPr>
           <p:cNvPr id="7" name="ZoneTexte 6"/>
           <p:cNvSpPr txBox="1"/>
           <p:nvPr/>
@@ -11820,14 +12304,14 @@
       </p:sp>
       <p:sp>
         <p:nvSpPr>
-          <p:cNvPr id="8" name="Rectangle 7"/>
+          <p:cNvPr id="2" name="Rectangle 1"/>
           <p:cNvSpPr/>
           <p:nvPr/>
         </p:nvSpPr>
         <p:spPr>
           <a:xfrm>
-            <a:off x="4787361" y="3555216"/>
-            <a:ext cx="508392" cy="515453"/>
+            <a:off x="5482869" y="3502258"/>
+            <a:ext cx="501332" cy="501331"/>
           </a:xfrm>
           <a:prstGeom prst="rect">
             <a:avLst/>
@@ -11862,50 +12346,20 @@
           <a:lstStyle/>
           <a:p>
             <a:pPr algn="ctr"/>
-            <a:endParaRPr lang="en-GB" dirty="0"/>
-          </a:p>
-        </p:txBody>
-      </p:sp>
-      <p:sp>
-        <p:nvSpPr>
-          <p:cNvPr id="11" name="ZoneTexte 10"/>
-          <p:cNvSpPr txBox="1"/>
-          <p:nvPr/>
-        </p:nvSpPr>
-        <p:spPr>
-          <a:xfrm>
-            <a:off x="4857853" y="3547449"/>
-            <a:ext cx="367408" cy="523220"/>
-          </a:xfrm>
-          <a:prstGeom prst="rect">
-            <a:avLst/>
-          </a:prstGeom>
-          <a:noFill/>
-        </p:spPr>
-        <p:txBody>
-          <a:bodyPr wrap="none" rtlCol="0">
-            <a:spAutoFit/>
-          </a:bodyPr>
-          <a:lstStyle/>
-          <a:p>
-            <a:r>
-              <a:rPr lang="en-GB" sz="2800" dirty="0"/>
-              <a:t>1</a:t>
-            </a:r>
-            <a:endParaRPr lang="en-GB" dirty="0"/>
-          </a:p>
-        </p:txBody>
-      </p:sp>
-      <p:sp>
-        <p:nvSpPr>
-          <p:cNvPr id="14" name="Rectangle 13"/>
+            <a:endParaRPr lang="en-GB"/>
+          </a:p>
+        </p:txBody>
+      </p:sp>
+      <p:sp>
+        <p:nvSpPr>
+          <p:cNvPr id="10" name="Rectangle 9"/>
           <p:cNvSpPr/>
           <p:nvPr/>
         </p:nvSpPr>
         <p:spPr>
           <a:xfrm>
-            <a:off x="6164846" y="4244253"/>
-            <a:ext cx="508392" cy="515453"/>
+            <a:off x="6179064" y="3502258"/>
+            <a:ext cx="501332" cy="501331"/>
           </a:xfrm>
           <a:prstGeom prst="rect">
             <a:avLst/>
@@ -11940,19 +12394,19 @@
           <a:lstStyle/>
           <a:p>
             <a:pPr algn="ctr"/>
-            <a:endParaRPr lang="en-GB" dirty="0"/>
-          </a:p>
-        </p:txBody>
-      </p:sp>
-      <p:sp>
-        <p:nvSpPr>
-          <p:cNvPr id="15" name="ZoneTexte 14"/>
+            <a:endParaRPr lang="en-GB"/>
+          </a:p>
+        </p:txBody>
+      </p:sp>
+      <p:sp>
+        <p:nvSpPr>
+          <p:cNvPr id="3" name="ZoneTexte 2"/>
           <p:cNvSpPr txBox="1"/>
           <p:nvPr/>
         </p:nvSpPr>
         <p:spPr>
           <a:xfrm>
-            <a:off x="6245458" y="4243663"/>
+            <a:off x="5554448" y="3487055"/>
             <a:ext cx="367408" cy="523220"/>
           </a:xfrm>
           <a:prstGeom prst="rect">
@@ -11968,16 +12422,44 @@
           <a:p>
             <a:r>
               <a:rPr lang="en-GB" sz="2800" dirty="0"/>
-              <a:t>1</a:t>
-            </a:r>
-            <a:endParaRPr lang="en-GB" dirty="0"/>
+              <a:t>8</a:t>
+            </a:r>
+          </a:p>
+        </p:txBody>
+      </p:sp>
+      <p:sp>
+        <p:nvSpPr>
+          <p:cNvPr id="11" name="ZoneTexte 10"/>
+          <p:cNvSpPr txBox="1"/>
+          <p:nvPr/>
+        </p:nvSpPr>
+        <p:spPr>
+          <a:xfrm>
+            <a:off x="6246026" y="3487055"/>
+            <a:ext cx="367408" cy="523220"/>
+          </a:xfrm>
+          <a:prstGeom prst="rect">
+            <a:avLst/>
+          </a:prstGeom>
+          <a:noFill/>
+        </p:spPr>
+        <p:txBody>
+          <a:bodyPr wrap="none" rtlCol="0">
+            <a:spAutoFit/>
+          </a:bodyPr>
+          <a:lstStyle/>
+          <a:p>
+            <a:r>
+              <a:rPr lang="en-GB" sz="2800" dirty="0"/>
+              <a:t>8</a:t>
+            </a:r>
           </a:p>
         </p:txBody>
       </p:sp>
     </p:spTree>
     <p:extLst>
       <p:ext uri="{BB962C8B-B14F-4D97-AF65-F5344CB8AC3E}">
-        <p14:creationId xmlns:p14="http://schemas.microsoft.com/office/powerpoint/2010/main" val="857338445"/>
+        <p14:creationId xmlns:p14="http://schemas.microsoft.com/office/powerpoint/2010/main" val="3208989387"/>
       </p:ext>
     </p:extLst>
   </p:cSld>
@@ -12489,235 +12971,14 @@
       </p:grpSpPr>
       <p:sp>
         <p:nvSpPr>
-          <p:cNvPr id="9" name="Rectangle 8"/>
-          <p:cNvSpPr/>
-          <p:nvPr/>
-        </p:nvSpPr>
-        <p:spPr>
-          <a:xfrm>
-            <a:off x="3554499" y="2694060"/>
-            <a:ext cx="5083002" cy="3026364"/>
-          </a:xfrm>
-          <a:prstGeom prst="rect">
-            <a:avLst/>
-          </a:prstGeom>
-          <a:noFill/>
-          <a:ln w="76200">
-            <a:solidFill>
-              <a:schemeClr val="bg1">
-                <a:lumMod val="65000"/>
-              </a:schemeClr>
-            </a:solidFill>
-          </a:ln>
-        </p:spPr>
-        <p:style>
-          <a:lnRef idx="2">
-            <a:schemeClr val="accent1">
-              <a:shade val="50000"/>
-            </a:schemeClr>
-          </a:lnRef>
-          <a:fillRef idx="1">
-            <a:schemeClr val="accent1"/>
-          </a:fillRef>
-          <a:effectRef idx="0">
-            <a:schemeClr val="accent1"/>
-          </a:effectRef>
-          <a:fontRef idx="minor">
-            <a:schemeClr val="lt1"/>
-          </a:fontRef>
-        </p:style>
-        <p:txBody>
-          <a:bodyPr rtlCol="0" anchor="ctr"/>
-          <a:lstStyle/>
-          <a:p>
-            <a:pPr algn="ctr"/>
-            <a:endParaRPr lang="en-GB">
-              <a:solidFill>
-                <a:schemeClr val="tx1"/>
-              </a:solidFill>
-            </a:endParaRPr>
-          </a:p>
-        </p:txBody>
-      </p:sp>
-      <p:pic>
-        <p:nvPicPr>
-          <p:cNvPr id="6" name="Picture 5">
-            <a:extLst>
-              <a:ext uri="{FF2B5EF4-FFF2-40B4-BE49-F238E27FC236}">
-                <a16:creationId xmlns:a16="http://schemas.microsoft.com/office/drawing/2014/main" id="{1BA460D6-8CE1-4EEE-AE87-3496959FE4AD}"/>
-              </a:ext>
-            </a:extLst>
-          </p:cNvPr>
-          <p:cNvPicPr>
-            <a:picLocks noChangeAspect="1"/>
-          </p:cNvPicPr>
-          <p:nvPr/>
-        </p:nvPicPr>
-        <p:blipFill rotWithShape="1">
-          <a:blip r:embed="rId2"/>
-          <a:srcRect l="22258" t="9539" r="21855" b="462"/>
-          <a:stretch/>
-        </p:blipFill>
-        <p:spPr>
-          <a:xfrm>
-            <a:off x="4728970" y="2739630"/>
-            <a:ext cx="2734056" cy="2935224"/>
-          </a:xfrm>
-          <a:prstGeom prst="rect">
-            <a:avLst/>
-          </a:prstGeom>
-        </p:spPr>
-      </p:pic>
-      <p:cxnSp>
-        <p:nvCxnSpPr>
-          <p:cNvPr id="15" name="Straight Arrow Connector 14">
-            <a:extLst>
-              <a:ext uri="{FF2B5EF4-FFF2-40B4-BE49-F238E27FC236}">
-                <a16:creationId xmlns:a16="http://schemas.microsoft.com/office/drawing/2014/main" id="{ADEE2DD0-CFF8-4106-BE71-63AD01162339}"/>
-              </a:ext>
-            </a:extLst>
-          </p:cNvPr>
-          <p:cNvCxnSpPr>
-            <a:cxnSpLocks/>
-          </p:cNvCxnSpPr>
-          <p:nvPr/>
-        </p:nvCxnSpPr>
-        <p:spPr>
-          <a:xfrm flipH="1">
-            <a:off x="6875260" y="3819551"/>
-            <a:ext cx="2497340" cy="1"/>
-          </a:xfrm>
-          <a:prstGeom prst="straightConnector1">
-            <a:avLst/>
-          </a:prstGeom>
-          <a:ln w="57150">
-            <a:solidFill>
-              <a:srgbClr val="FF0000"/>
-            </a:solidFill>
-            <a:tailEnd type="triangle"/>
-          </a:ln>
-        </p:spPr>
-        <p:style>
-          <a:lnRef idx="3">
-            <a:schemeClr val="accent2"/>
-          </a:lnRef>
-          <a:fillRef idx="0">
-            <a:schemeClr val="accent2"/>
-          </a:fillRef>
-          <a:effectRef idx="2">
-            <a:schemeClr val="accent2"/>
-          </a:effectRef>
-          <a:fontRef idx="minor">
-            <a:schemeClr val="tx1"/>
-          </a:fontRef>
-        </p:style>
-      </p:cxnSp>
-      <p:sp>
-        <p:nvSpPr>
-          <p:cNvPr id="8" name="ZoneTexte 7">
-            <a:extLst>
-              <a:ext uri="{FF2B5EF4-FFF2-40B4-BE49-F238E27FC236}">
-                <a16:creationId xmlns:a16="http://schemas.microsoft.com/office/drawing/2014/main" id="{F02FD1A1-9929-44D9-9F07-EED2E9FF9F21}"/>
-              </a:ext>
-            </a:extLst>
-          </p:cNvPr>
+          <p:cNvPr id="5" name="ZoneTexte 4"/>
           <p:cNvSpPr txBox="1"/>
           <p:nvPr/>
         </p:nvSpPr>
         <p:spPr>
           <a:xfrm>
-            <a:off x="1646781" y="1545401"/>
-            <a:ext cx="8898438" cy="461665"/>
-          </a:xfrm>
-          <a:prstGeom prst="rect">
-            <a:avLst/>
-          </a:prstGeom>
-          <a:noFill/>
-        </p:spPr>
-        <p:txBody>
-          <a:bodyPr wrap="square" rtlCol="0">
-            <a:spAutoFit/>
-          </a:bodyPr>
-          <a:lstStyle/>
-          <a:p>
-            <a:pPr algn="ctr">
-              <a:spcAft>
-                <a:spcPts val="1200"/>
-              </a:spcAft>
-            </a:pPr>
-            <a:r>
-              <a:rPr lang="en-GB" sz="2400" dirty="0"/>
-              <a:t>Si </a:t>
-            </a:r>
-            <a:r>
-              <a:rPr lang="en-GB" sz="2400" dirty="0" err="1"/>
-              <a:t>vous</a:t>
-            </a:r>
-            <a:r>
-              <a:rPr lang="en-GB" sz="2400" dirty="0"/>
-              <a:t> </a:t>
-            </a:r>
-            <a:r>
-              <a:rPr lang="en-GB" sz="2400" dirty="0" err="1"/>
-              <a:t>avez</a:t>
-            </a:r>
-            <a:r>
-              <a:rPr lang="en-GB" sz="2400" dirty="0"/>
-              <a:t> </a:t>
-            </a:r>
-            <a:r>
-              <a:rPr lang="en-GB" sz="2400" dirty="0" err="1"/>
-              <a:t>désigné</a:t>
-            </a:r>
-            <a:r>
-              <a:rPr lang="en-GB" sz="2400" dirty="0"/>
-              <a:t> un emplacement correct, </a:t>
-            </a:r>
-            <a:r>
-              <a:rPr lang="en-GB" sz="2400" dirty="0" err="1"/>
-              <a:t>il</a:t>
-            </a:r>
-            <a:r>
-              <a:rPr lang="en-GB" sz="2400" dirty="0"/>
-              <a:t> sera </a:t>
-            </a:r>
-            <a:r>
-              <a:rPr lang="en-GB" sz="2400" dirty="0" err="1"/>
-              <a:t>surligné</a:t>
-            </a:r>
-            <a:r>
-              <a:rPr lang="en-GB" sz="2400" dirty="0"/>
-              <a:t> </a:t>
-            </a:r>
-            <a:r>
-              <a:rPr lang="en-GB" sz="2400" dirty="0" err="1"/>
-              <a:t>en</a:t>
-            </a:r>
-            <a:r>
-              <a:rPr lang="en-GB" sz="2400" dirty="0"/>
-              <a:t> </a:t>
-            </a:r>
-            <a:r>
-              <a:rPr lang="en-GB" sz="2400" dirty="0" err="1"/>
-              <a:t>vert</a:t>
-            </a:r>
-            <a:r>
-              <a:rPr lang="en-GB" sz="2400" dirty="0"/>
-              <a:t>:</a:t>
-            </a:r>
-          </a:p>
-        </p:txBody>
-      </p:sp>
-      <p:sp>
-        <p:nvSpPr>
-          <p:cNvPr id="7" name="ZoneTexte 6"/>
-          <p:cNvSpPr txBox="1"/>
-          <p:nvPr/>
-        </p:nvSpPr>
-        <p:spPr>
-          <a:xfrm>
-            <a:off x="3099106" y="379385"/>
-            <a:ext cx="5993789" cy="461665"/>
+            <a:off x="3557275" y="379385"/>
+            <a:ext cx="5077450" cy="461665"/>
           </a:xfrm>
           <a:prstGeom prst="rect">
             <a:avLst/>
@@ -12747,117 +13008,27 @@
                   <a:srgbClr val="0070C0"/>
                 </a:solidFill>
               </a:rPr>
-              <a:t>ETAPE 6 – ÉVALUATION DE VOS RÉPONSES</a:t>
-            </a:r>
-          </a:p>
-        </p:txBody>
-      </p:sp>
-      <p:sp>
-        <p:nvSpPr>
-          <p:cNvPr id="2" name="Rectangle 1"/>
-          <p:cNvSpPr/>
-          <p:nvPr/>
-        </p:nvSpPr>
-        <p:spPr>
-          <a:xfrm>
-            <a:off x="5482869" y="3502258"/>
-            <a:ext cx="501332" cy="501331"/>
-          </a:xfrm>
-          <a:prstGeom prst="rect">
-            <a:avLst/>
-          </a:prstGeom>
-          <a:solidFill>
-            <a:schemeClr val="bg1"/>
-          </a:solidFill>
-          <a:ln>
-            <a:solidFill>
-              <a:schemeClr val="bg1"/>
-            </a:solidFill>
-          </a:ln>
-        </p:spPr>
-        <p:style>
-          <a:lnRef idx="2">
-            <a:schemeClr val="accent1">
-              <a:shade val="50000"/>
-            </a:schemeClr>
-          </a:lnRef>
-          <a:fillRef idx="1">
-            <a:schemeClr val="accent1"/>
-          </a:fillRef>
-          <a:effectRef idx="0">
-            <a:schemeClr val="accent1"/>
-          </a:effectRef>
-          <a:fontRef idx="minor">
-            <a:schemeClr val="lt1"/>
-          </a:fontRef>
-        </p:style>
-        <p:txBody>
-          <a:bodyPr rtlCol="0" anchor="ctr"/>
-          <a:lstStyle/>
-          <a:p>
-            <a:pPr algn="ctr"/>
-            <a:endParaRPr lang="en-GB"/>
-          </a:p>
-        </p:txBody>
-      </p:sp>
-      <p:sp>
-        <p:nvSpPr>
-          <p:cNvPr id="10" name="Rectangle 9"/>
-          <p:cNvSpPr/>
-          <p:nvPr/>
-        </p:nvSpPr>
-        <p:spPr>
-          <a:xfrm>
-            <a:off x="6179064" y="3502258"/>
-            <a:ext cx="501332" cy="501331"/>
-          </a:xfrm>
-          <a:prstGeom prst="rect">
-            <a:avLst/>
-          </a:prstGeom>
-          <a:solidFill>
-            <a:schemeClr val="bg1"/>
-          </a:solidFill>
-          <a:ln>
-            <a:solidFill>
-              <a:schemeClr val="bg1"/>
-            </a:solidFill>
-          </a:ln>
-        </p:spPr>
-        <p:style>
-          <a:lnRef idx="2">
-            <a:schemeClr val="accent1">
-              <a:shade val="50000"/>
-            </a:schemeClr>
-          </a:lnRef>
-          <a:fillRef idx="1">
-            <a:schemeClr val="accent1"/>
-          </a:fillRef>
-          <a:effectRef idx="0">
-            <a:schemeClr val="accent1"/>
-          </a:effectRef>
-          <a:fontRef idx="minor">
-            <a:schemeClr val="lt1"/>
-          </a:fontRef>
-        </p:style>
-        <p:txBody>
-          <a:bodyPr rtlCol="0" anchor="ctr"/>
-          <a:lstStyle/>
-          <a:p>
-            <a:pPr algn="ctr"/>
-            <a:endParaRPr lang="en-GB"/>
-          </a:p>
-        </p:txBody>
-      </p:sp>
-      <p:sp>
-        <p:nvSpPr>
-          <p:cNvPr id="3" name="ZoneTexte 2"/>
+              <a:t>FIN D’UN EXERCICE</a:t>
+            </a:r>
+          </a:p>
+        </p:txBody>
+      </p:sp>
+      <p:sp>
+        <p:nvSpPr>
+          <p:cNvPr id="14" name="ZoneTexte 7">
+            <a:extLst>
+              <a:ext uri="{FF2B5EF4-FFF2-40B4-BE49-F238E27FC236}">
+                <a16:creationId xmlns:a16="http://schemas.microsoft.com/office/drawing/2014/main" id="{6ED12362-E7CD-45EA-BA24-48CBC31A52FA}"/>
+              </a:ext>
+            </a:extLst>
+          </p:cNvPr>
           <p:cNvSpPr txBox="1"/>
           <p:nvPr/>
         </p:nvSpPr>
         <p:spPr>
           <a:xfrm>
-            <a:off x="5554448" y="3487055"/>
-            <a:ext cx="367408" cy="523220"/>
+            <a:off x="1874195" y="2120950"/>
+            <a:ext cx="8443609" cy="2616101"/>
           </a:xfrm>
           <a:prstGeom prst="rect">
             <a:avLst/>
@@ -12865,51 +13036,211 @@
           <a:noFill/>
         </p:spPr>
         <p:txBody>
-          <a:bodyPr wrap="none" rtlCol="0">
+          <a:bodyPr wrap="square" rtlCol="0">
             <a:spAutoFit/>
           </a:bodyPr>
           <a:lstStyle/>
           <a:p>
-            <a:r>
-              <a:rPr lang="en-GB" sz="2800" dirty="0"/>
-              <a:t>8</a:t>
-            </a:r>
-          </a:p>
-        </p:txBody>
-      </p:sp>
-      <p:sp>
-        <p:nvSpPr>
-          <p:cNvPr id="11" name="ZoneTexte 10"/>
-          <p:cNvSpPr txBox="1"/>
-          <p:nvPr/>
-        </p:nvSpPr>
-        <p:spPr>
-          <a:xfrm>
-            <a:off x="6246026" y="3487055"/>
-            <a:ext cx="367408" cy="523220"/>
-          </a:xfrm>
-          <a:prstGeom prst="rect">
-            <a:avLst/>
-          </a:prstGeom>
-          <a:noFill/>
-        </p:spPr>
-        <p:txBody>
-          <a:bodyPr wrap="none" rtlCol="0">
-            <a:spAutoFit/>
-          </a:bodyPr>
-          <a:lstStyle/>
-          <a:p>
-            <a:r>
-              <a:rPr lang="en-GB" sz="2800" dirty="0"/>
-              <a:t>8</a:t>
-            </a:r>
+            <a:pPr algn="ctr">
+              <a:spcAft>
+                <a:spcPts val="1200"/>
+              </a:spcAft>
+            </a:pPr>
+            <a:r>
+              <a:rPr lang="en-GB" sz="2400" dirty="0"/>
+              <a:t>Apr</a:t>
+            </a:r>
+            <a:r>
+              <a:rPr lang="en-US" sz="2400" dirty="0" err="1"/>
+              <a:t>ès</a:t>
+            </a:r>
+            <a:r>
+              <a:rPr lang="en-US" sz="2400" dirty="0"/>
+              <a:t> </a:t>
+            </a:r>
+            <a:r>
+              <a:rPr lang="en-US" sz="2400" dirty="0" err="1"/>
+              <a:t>l’étape</a:t>
+            </a:r>
+            <a:r>
+              <a:rPr lang="en-US" sz="2400" dirty="0"/>
+              <a:t> 6 (retour sur </a:t>
+            </a:r>
+            <a:r>
+              <a:rPr lang="en-US" sz="2400" dirty="0" err="1"/>
+              <a:t>votre</a:t>
+            </a:r>
+            <a:r>
+              <a:rPr lang="en-US" sz="2400" dirty="0"/>
+              <a:t> performance), </a:t>
+            </a:r>
+            <a:r>
+              <a:rPr lang="en-US" sz="2400" dirty="0" err="1"/>
+              <a:t>vous</a:t>
+            </a:r>
+            <a:r>
+              <a:rPr lang="en-US" sz="2400" dirty="0"/>
+              <a:t> </a:t>
+            </a:r>
+            <a:r>
+              <a:rPr lang="en-US" sz="2400" dirty="0" err="1"/>
+              <a:t>aurez</a:t>
+            </a:r>
+            <a:r>
+              <a:rPr lang="en-US" sz="2400" dirty="0"/>
+              <a:t> </a:t>
+            </a:r>
+            <a:r>
+              <a:rPr lang="en-US" sz="2400" dirty="0" err="1"/>
+              <a:t>completé</a:t>
+            </a:r>
+            <a:r>
+              <a:rPr lang="en-US" sz="2400" dirty="0"/>
+              <a:t> un </a:t>
+            </a:r>
+            <a:r>
+              <a:rPr lang="en-US" sz="2400" dirty="0" err="1"/>
+              <a:t>exercice</a:t>
+            </a:r>
+            <a:r>
+              <a:rPr lang="en-US" sz="2400" dirty="0"/>
+              <a:t> – bravo!</a:t>
+            </a:r>
+          </a:p>
+          <a:p>
+            <a:pPr algn="ctr">
+              <a:spcAft>
+                <a:spcPts val="1200"/>
+              </a:spcAft>
+            </a:pPr>
+            <a:r>
+              <a:rPr lang="en-US" sz="2400" dirty="0" err="1"/>
+              <a:t>Vous</a:t>
+            </a:r>
+            <a:r>
+              <a:rPr lang="en-US" sz="2400" dirty="0"/>
+              <a:t> </a:t>
+            </a:r>
+            <a:r>
+              <a:rPr lang="en-US" sz="2400" dirty="0" err="1"/>
+              <a:t>pourrez</a:t>
+            </a:r>
+            <a:r>
+              <a:rPr lang="en-US" sz="2400" dirty="0"/>
+              <a:t> </a:t>
+            </a:r>
+            <a:r>
+              <a:rPr lang="fr-FR" sz="2400" dirty="0"/>
+              <a:t>prendre autant de temps que vous le souhaitez avant de démarrer le prochain exercice.</a:t>
+            </a:r>
+            <a:endParaRPr lang="en-US" sz="2400" dirty="0"/>
+          </a:p>
+          <a:p>
+            <a:pPr algn="ctr">
+              <a:spcAft>
+                <a:spcPts val="1200"/>
+              </a:spcAft>
+            </a:pPr>
+            <a:r>
+              <a:rPr lang="en-US" sz="2400" dirty="0"/>
+              <a:t>Par </a:t>
+            </a:r>
+            <a:r>
+              <a:rPr lang="en-US" sz="2400" dirty="0" err="1"/>
+              <a:t>contre</a:t>
+            </a:r>
+            <a:r>
+              <a:rPr lang="en-US" sz="2400" dirty="0"/>
+              <a:t>, </a:t>
+            </a:r>
+            <a:r>
+              <a:rPr lang="en-US" sz="2400" dirty="0" err="1"/>
+              <a:t>si</a:t>
+            </a:r>
+            <a:r>
+              <a:rPr lang="en-US" sz="2400" dirty="0"/>
+              <a:t> </a:t>
+            </a:r>
+            <a:r>
+              <a:rPr lang="en-US" sz="2400" dirty="0" err="1"/>
+              <a:t>vous</a:t>
+            </a:r>
+            <a:r>
+              <a:rPr lang="en-US" sz="2400" dirty="0"/>
+              <a:t> </a:t>
+            </a:r>
+            <a:r>
+              <a:rPr lang="en-US" sz="2400" dirty="0" err="1"/>
+              <a:t>fermez</a:t>
+            </a:r>
+            <a:r>
+              <a:rPr lang="en-US" sz="2400" dirty="0"/>
+              <a:t> </a:t>
+            </a:r>
+            <a:r>
+              <a:rPr lang="en-US" sz="2400" dirty="0" err="1"/>
+              <a:t>l’onglet</a:t>
+            </a:r>
+            <a:r>
+              <a:rPr lang="en-US" sz="2400" dirty="0"/>
+              <a:t> de </a:t>
+            </a:r>
+            <a:r>
+              <a:rPr lang="en-US" sz="2400" dirty="0" err="1"/>
+              <a:t>votre</a:t>
+            </a:r>
+            <a:r>
+              <a:rPr lang="en-US" sz="2400" dirty="0"/>
+              <a:t> </a:t>
+            </a:r>
+            <a:r>
+              <a:rPr lang="en-US" sz="2400" dirty="0" err="1"/>
+              <a:t>navigateur</a:t>
+            </a:r>
+            <a:r>
+              <a:rPr lang="en-US" sz="2400" dirty="0"/>
+              <a:t>, </a:t>
+            </a:r>
+            <a:r>
+              <a:rPr lang="en-US" sz="2400" dirty="0" err="1"/>
+              <a:t>vous</a:t>
+            </a:r>
+            <a:r>
+              <a:rPr lang="en-US" sz="2400" dirty="0"/>
+              <a:t> </a:t>
+            </a:r>
+            <a:r>
+              <a:rPr lang="en-US" sz="2400" dirty="0" err="1"/>
+              <a:t>devrez</a:t>
+            </a:r>
+            <a:r>
+              <a:rPr lang="en-US" sz="2400" dirty="0"/>
+              <a:t> </a:t>
+            </a:r>
+            <a:r>
+              <a:rPr lang="en-US" sz="2400" dirty="0" err="1"/>
+              <a:t>recommencer</a:t>
+            </a:r>
+            <a:r>
+              <a:rPr lang="en-US" sz="2400" dirty="0"/>
+              <a:t> le test </a:t>
+            </a:r>
+            <a:r>
+              <a:rPr lang="en-US" sz="2400" dirty="0" err="1"/>
+              <a:t>depuis</a:t>
+            </a:r>
+            <a:r>
+              <a:rPr lang="en-US" sz="2400" dirty="0"/>
+              <a:t> la début…</a:t>
+            </a:r>
+            <a:endParaRPr lang="en-GB" sz="2400" b="1" dirty="0"/>
           </a:p>
         </p:txBody>
       </p:sp>
     </p:spTree>
     <p:extLst>
       <p:ext uri="{BB962C8B-B14F-4D97-AF65-F5344CB8AC3E}">
-        <p14:creationId xmlns:p14="http://schemas.microsoft.com/office/powerpoint/2010/main" val="3208989387"/>
+        <p14:creationId xmlns:p14="http://schemas.microsoft.com/office/powerpoint/2010/main" val="3731612808"/>
       </p:ext>
     </p:extLst>
   </p:cSld>
@@ -12975,304 +13306,6 @@
                   <a:srgbClr val="0070C0"/>
                 </a:solidFill>
               </a:rPr>
-              <a:t>FIN D’UN EXERCICE</a:t>
-            </a:r>
-          </a:p>
-        </p:txBody>
-      </p:sp>
-      <p:sp>
-        <p:nvSpPr>
-          <p:cNvPr id="14" name="ZoneTexte 7">
-            <a:extLst>
-              <a:ext uri="{FF2B5EF4-FFF2-40B4-BE49-F238E27FC236}">
-                <a16:creationId xmlns:a16="http://schemas.microsoft.com/office/drawing/2014/main" id="{6ED12362-E7CD-45EA-BA24-48CBC31A52FA}"/>
-              </a:ext>
-            </a:extLst>
-          </p:cNvPr>
-          <p:cNvSpPr txBox="1"/>
-          <p:nvPr/>
-        </p:nvSpPr>
-        <p:spPr>
-          <a:xfrm>
-            <a:off x="1874195" y="2120950"/>
-            <a:ext cx="8443609" cy="2616101"/>
-          </a:xfrm>
-          <a:prstGeom prst="rect">
-            <a:avLst/>
-          </a:prstGeom>
-          <a:noFill/>
-        </p:spPr>
-        <p:txBody>
-          <a:bodyPr wrap="square" rtlCol="0">
-            <a:spAutoFit/>
-          </a:bodyPr>
-          <a:lstStyle/>
-          <a:p>
-            <a:pPr algn="ctr">
-              <a:spcAft>
-                <a:spcPts val="1200"/>
-              </a:spcAft>
-            </a:pPr>
-            <a:r>
-              <a:rPr lang="en-GB" sz="2400" dirty="0"/>
-              <a:t>Apr</a:t>
-            </a:r>
-            <a:r>
-              <a:rPr lang="en-US" sz="2400" dirty="0" err="1"/>
-              <a:t>ès</a:t>
-            </a:r>
-            <a:r>
-              <a:rPr lang="en-US" sz="2400" dirty="0"/>
-              <a:t> </a:t>
-            </a:r>
-            <a:r>
-              <a:rPr lang="en-US" sz="2400" dirty="0" err="1"/>
-              <a:t>l’étape</a:t>
-            </a:r>
-            <a:r>
-              <a:rPr lang="en-US" sz="2400" dirty="0"/>
-              <a:t> 6 (retour sur </a:t>
-            </a:r>
-            <a:r>
-              <a:rPr lang="en-US" sz="2400" dirty="0" err="1"/>
-              <a:t>votre</a:t>
-            </a:r>
-            <a:r>
-              <a:rPr lang="en-US" sz="2400" dirty="0"/>
-              <a:t> performance), </a:t>
-            </a:r>
-            <a:r>
-              <a:rPr lang="en-US" sz="2400" dirty="0" err="1"/>
-              <a:t>vous</a:t>
-            </a:r>
-            <a:r>
-              <a:rPr lang="en-US" sz="2400" dirty="0"/>
-              <a:t> </a:t>
-            </a:r>
-            <a:r>
-              <a:rPr lang="en-US" sz="2400" dirty="0" err="1"/>
-              <a:t>aurez</a:t>
-            </a:r>
-            <a:r>
-              <a:rPr lang="en-US" sz="2400" dirty="0"/>
-              <a:t> </a:t>
-            </a:r>
-            <a:r>
-              <a:rPr lang="en-US" sz="2400" dirty="0" err="1"/>
-              <a:t>completé</a:t>
-            </a:r>
-            <a:r>
-              <a:rPr lang="en-US" sz="2400" dirty="0"/>
-              <a:t> un </a:t>
-            </a:r>
-            <a:r>
-              <a:rPr lang="en-US" sz="2400" dirty="0" err="1"/>
-              <a:t>exercice</a:t>
-            </a:r>
-            <a:r>
-              <a:rPr lang="en-US" sz="2400" dirty="0"/>
-              <a:t> – bravo!</a:t>
-            </a:r>
-          </a:p>
-          <a:p>
-            <a:pPr algn="ctr">
-              <a:spcAft>
-                <a:spcPts val="1200"/>
-              </a:spcAft>
-            </a:pPr>
-            <a:r>
-              <a:rPr lang="en-US" sz="2400" dirty="0" err="1"/>
-              <a:t>Vous</a:t>
-            </a:r>
-            <a:r>
-              <a:rPr lang="en-US" sz="2400" dirty="0"/>
-              <a:t> </a:t>
-            </a:r>
-            <a:r>
-              <a:rPr lang="en-US" sz="2400" dirty="0" err="1"/>
-              <a:t>pourrez</a:t>
-            </a:r>
-            <a:r>
-              <a:rPr lang="en-US" sz="2400" dirty="0"/>
-              <a:t> </a:t>
-            </a:r>
-            <a:r>
-              <a:rPr lang="fr-FR" sz="2400" dirty="0"/>
-              <a:t>prendre autant de temps que vous le souhaitez avant de démarrer le prochain exercice.</a:t>
-            </a:r>
-            <a:endParaRPr lang="en-US" sz="2400" dirty="0"/>
-          </a:p>
-          <a:p>
-            <a:pPr algn="ctr">
-              <a:spcAft>
-                <a:spcPts val="1200"/>
-              </a:spcAft>
-            </a:pPr>
-            <a:r>
-              <a:rPr lang="en-US" sz="2400" dirty="0"/>
-              <a:t>Par </a:t>
-            </a:r>
-            <a:r>
-              <a:rPr lang="en-US" sz="2400" dirty="0" err="1"/>
-              <a:t>contre</a:t>
-            </a:r>
-            <a:r>
-              <a:rPr lang="en-US" sz="2400" dirty="0"/>
-              <a:t>, </a:t>
-            </a:r>
-            <a:r>
-              <a:rPr lang="en-US" sz="2400" dirty="0" err="1"/>
-              <a:t>si</a:t>
-            </a:r>
-            <a:r>
-              <a:rPr lang="en-US" sz="2400" dirty="0"/>
-              <a:t> </a:t>
-            </a:r>
-            <a:r>
-              <a:rPr lang="en-US" sz="2400" dirty="0" err="1"/>
-              <a:t>vous</a:t>
-            </a:r>
-            <a:r>
-              <a:rPr lang="en-US" sz="2400" dirty="0"/>
-              <a:t> </a:t>
-            </a:r>
-            <a:r>
-              <a:rPr lang="en-US" sz="2400" dirty="0" err="1"/>
-              <a:t>fermez</a:t>
-            </a:r>
-            <a:r>
-              <a:rPr lang="en-US" sz="2400" dirty="0"/>
-              <a:t> </a:t>
-            </a:r>
-            <a:r>
-              <a:rPr lang="en-US" sz="2400" dirty="0" err="1"/>
-              <a:t>l’onglet</a:t>
-            </a:r>
-            <a:r>
-              <a:rPr lang="en-US" sz="2400" dirty="0"/>
-              <a:t> de </a:t>
-            </a:r>
-            <a:r>
-              <a:rPr lang="en-US" sz="2400" dirty="0" err="1"/>
-              <a:t>votre</a:t>
-            </a:r>
-            <a:r>
-              <a:rPr lang="en-US" sz="2400" dirty="0"/>
-              <a:t> </a:t>
-            </a:r>
-            <a:r>
-              <a:rPr lang="en-US" sz="2400" dirty="0" err="1"/>
-              <a:t>navigateur</a:t>
-            </a:r>
-            <a:r>
-              <a:rPr lang="en-US" sz="2400" dirty="0"/>
-              <a:t>, </a:t>
-            </a:r>
-            <a:r>
-              <a:rPr lang="en-US" sz="2400" dirty="0" err="1"/>
-              <a:t>vous</a:t>
-            </a:r>
-            <a:r>
-              <a:rPr lang="en-US" sz="2400" dirty="0"/>
-              <a:t> </a:t>
-            </a:r>
-            <a:r>
-              <a:rPr lang="en-US" sz="2400" dirty="0" err="1"/>
-              <a:t>devrez</a:t>
-            </a:r>
-            <a:r>
-              <a:rPr lang="en-US" sz="2400" dirty="0"/>
-              <a:t> </a:t>
-            </a:r>
-            <a:r>
-              <a:rPr lang="en-US" sz="2400" dirty="0" err="1"/>
-              <a:t>recommencer</a:t>
-            </a:r>
-            <a:r>
-              <a:rPr lang="en-US" sz="2400" dirty="0"/>
-              <a:t> le test </a:t>
-            </a:r>
-            <a:r>
-              <a:rPr lang="en-US" sz="2400" dirty="0" err="1"/>
-              <a:t>depuis</a:t>
-            </a:r>
-            <a:r>
-              <a:rPr lang="en-US" sz="2400" dirty="0"/>
-              <a:t> la début…</a:t>
-            </a:r>
-            <a:endParaRPr lang="en-GB" sz="2400" b="1" dirty="0"/>
-          </a:p>
-        </p:txBody>
-      </p:sp>
-    </p:spTree>
-    <p:extLst>
-      <p:ext uri="{BB962C8B-B14F-4D97-AF65-F5344CB8AC3E}">
-        <p14:creationId xmlns:p14="http://schemas.microsoft.com/office/powerpoint/2010/main" val="3731612808"/>
-      </p:ext>
-    </p:extLst>
-  </p:cSld>
-  <p:clrMapOvr>
-    <a:masterClrMapping/>
-  </p:clrMapOvr>
-</p:sld>
-</file>
-
-<file path=ppt/slides/slide32.xml><?xml version="1.0" encoding="utf-8"?>
-<p:sld xmlns:a="http://schemas.openxmlformats.org/drawingml/2006/main" xmlns:r="http://schemas.openxmlformats.org/officeDocument/2006/relationships" xmlns:p="http://schemas.openxmlformats.org/presentationml/2006/main">
-  <p:cSld>
-    <p:spTree>
-      <p:nvGrpSpPr>
-        <p:cNvPr id="1" name=""/>
-        <p:cNvGrpSpPr/>
-        <p:nvPr/>
-      </p:nvGrpSpPr>
-      <p:grpSpPr>
-        <a:xfrm>
-          <a:off x="0" y="0"/>
-          <a:ext cx="0" cy="0"/>
-          <a:chOff x="0" y="0"/>
-          <a:chExt cx="0" cy="0"/>
-        </a:xfrm>
-      </p:grpSpPr>
-      <p:sp>
-        <p:nvSpPr>
-          <p:cNvPr id="5" name="ZoneTexte 4"/>
-          <p:cNvSpPr txBox="1"/>
-          <p:nvPr/>
-        </p:nvSpPr>
-        <p:spPr>
-          <a:xfrm>
-            <a:off x="3557275" y="379385"/>
-            <a:ext cx="5077450" cy="461665"/>
-          </a:xfrm>
-          <a:prstGeom prst="rect">
-            <a:avLst/>
-          </a:prstGeom>
-          <a:noFill/>
-          <a:ln>
-            <a:noFill/>
-          </a:ln>
-        </p:spPr>
-        <p:txBody>
-          <a:bodyPr wrap="square" rtlCol="0" anchor="ctr">
-            <a:spAutoFit/>
-          </a:bodyPr>
-          <a:lstStyle/>
-          <a:p>
-            <a:pPr algn="ctr">
-              <a:spcBef>
-                <a:spcPts val="1800"/>
-              </a:spcBef>
-              <a:spcAft>
-                <a:spcPts val="1800"/>
-              </a:spcAft>
-            </a:pPr>
-            <a:r>
-              <a:rPr lang="en-GB" sz="2400" b="1" dirty="0">
-                <a:solidFill>
-                  <a:srgbClr val="0070C0"/>
-                </a:solidFill>
-              </a:rPr>
               <a:t>UNE PETITE VARIATION</a:t>
             </a:r>
           </a:p>
@@ -13614,7 +13647,7 @@
 </p:sld>
 </file>
 
-<file path=ppt/slides/slide33.xml><?xml version="1.0" encoding="utf-8"?>
+<file path=ppt/slides/slide32.xml><?xml version="1.0" encoding="utf-8"?>
 <p:sld xmlns:a="http://schemas.openxmlformats.org/drawingml/2006/main" xmlns:r="http://schemas.openxmlformats.org/officeDocument/2006/relationships" xmlns:p="http://schemas.openxmlformats.org/presentationml/2006/main">
   <p:cSld>
     <p:spTree>
@@ -13722,7 +13755,11 @@
               </a:r>
               <a:r>
                 <a:rPr lang="en-GB" sz="2400" dirty="0"/>
-                <a:t> 12 </a:t>
+                <a:t> </a:t>
+              </a:r>
+              <a:r>
+                <a:rPr lang="en-GB" sz="2400" dirty="0" smtClean="0"/>
+                <a:t>25 </a:t>
               </a:r>
               <a:r>
                 <a:rPr lang="en-GB" sz="2400" dirty="0" err="1"/>
@@ -14011,7 +14048,7 @@
 </p:sld>
 </file>
 
-<file path=ppt/slides/slide34.xml><?xml version="1.0" encoding="utf-8"?>
+<file path=ppt/slides/slide33.xml><?xml version="1.0" encoding="utf-8"?>
 <p:sld xmlns:a="http://schemas.openxmlformats.org/drawingml/2006/main" xmlns:r="http://schemas.openxmlformats.org/officeDocument/2006/relationships" xmlns:p="http://schemas.openxmlformats.org/presentationml/2006/main">
   <p:cSld>
     <p:spTree>
@@ -14112,11 +14149,11 @@
               <a:t>, nous </a:t>
             </a:r>
             <a:r>
-              <a:rPr lang="en-GB" sz="2400" dirty="0" err="1"/>
-              <a:t>voulons</a:t>
-            </a:r>
-            <a:r>
-              <a:rPr lang="en-GB" sz="2400" dirty="0"/>
+              <a:rPr lang="en-GB" sz="2400" dirty="0" err="1" smtClean="0"/>
+              <a:t>voudrions</a:t>
+            </a:r>
+            <a:r>
+              <a:rPr lang="en-GB" sz="2400" dirty="0" smtClean="0"/>
               <a:t> </a:t>
             </a:r>
             <a:r>
@@ -14976,7 +15013,11 @@
             </a:r>
             <a:r>
               <a:rPr lang="en-GB" sz="2400" dirty="0"/>
-              <a:t> 12 </a:t>
+              <a:t> </a:t>
+            </a:r>
+            <a:r>
+              <a:rPr lang="en-GB" sz="2400" dirty="0" smtClean="0"/>
+              <a:t>25 </a:t>
             </a:r>
             <a:r>
               <a:rPr lang="fr-FR" sz="2400" dirty="0"/>
@@ -14987,13 +15028,14 @@
               <a:t> de </a:t>
             </a:r>
             <a:r>
-              <a:rPr lang="en-GB" sz="2400" dirty="0" err="1"/>
+              <a:rPr lang="en-GB" sz="2400" dirty="0" err="1" smtClean="0"/>
               <a:t>mémoire</a:t>
             </a:r>
             <a:r>
-              <a:rPr lang="en-GB" sz="2400" dirty="0"/>
+              <a:rPr lang="en-GB" sz="2400" dirty="0" smtClean="0"/>
               <a:t>.</a:t>
             </a:r>
+            <a:endParaRPr lang="en-GB" sz="2400" dirty="0"/>
           </a:p>
           <a:p>
             <a:pPr algn="ctr"/>
@@ -15003,7 +15045,15 @@
             <a:pPr algn="ctr"/>
             <a:r>
               <a:rPr lang="fr-FR" sz="2400" dirty="0"/>
-              <a:t>Lors de chaque exercice de mémoire, vous adapterez votre effort pour essayer d’atteindre le score cible de l’exercice. Cela dit, vous ne serez pas toujours capable de réussir.</a:t>
+              <a:t>Lors de chaque exercice de </a:t>
+            </a:r>
+            <a:r>
+              <a:rPr lang="fr-FR" sz="2400" dirty="0" smtClean="0"/>
+              <a:t>mémoire, </a:t>
+            </a:r>
+            <a:r>
+              <a:rPr lang="fr-FR" sz="2400" dirty="0"/>
+              <a:t>vous adapterez votre effort pour essayer d’atteindre le score cible de l’exercice. Cela dit, vous ne serez pas toujours capable de réussir.</a:t>
             </a:r>
           </a:p>
           <a:p>

--- a/src/SE_glioma/Stimuli/Instructions_new_patient.pptx
+++ b/src/SE_glioma/Stimuli/Instructions_new_patient.pptx
@@ -295,7 +295,7 @@
           <a:p>
             <a:fld id="{756993CC-A683-496E-881E-006544134775}" type="slidenum">
               <a:rPr lang="en-GB" smtClean="0"/>
-              <a:t>‹N°›</a:t>
+              <a:t>‹#›</a:t>
             </a:fld>
             <a:endParaRPr lang="en-GB"/>
           </a:p>
@@ -485,7 +485,7 @@
           <a:p>
             <a:fld id="{9D7F7A4F-C86B-4E97-8396-79EF10BBD040}" type="slidenum">
               <a:rPr lang="en-GB" smtClean="0"/>
-              <a:t>‹N°›</a:t>
+              <a:t>‹#›</a:t>
             </a:fld>
             <a:endParaRPr lang="en-GB" dirty="0"/>
           </a:p>
@@ -655,7 +655,7 @@
           <a:p>
             <a:fld id="{9D7F7A4F-C86B-4E97-8396-79EF10BBD040}" type="slidenum">
               <a:rPr lang="en-GB" smtClean="0"/>
-              <a:t>‹N°›</a:t>
+              <a:t>‹#›</a:t>
             </a:fld>
             <a:endParaRPr lang="en-GB" dirty="0"/>
           </a:p>
@@ -835,7 +835,7 @@
           <a:p>
             <a:fld id="{9D7F7A4F-C86B-4E97-8396-79EF10BBD040}" type="slidenum">
               <a:rPr lang="en-GB" smtClean="0"/>
-              <a:t>‹N°›</a:t>
+              <a:t>‹#›</a:t>
             </a:fld>
             <a:endParaRPr lang="en-GB" dirty="0"/>
           </a:p>
@@ -1005,7 +1005,7 @@
           <a:p>
             <a:fld id="{9D7F7A4F-C86B-4E97-8396-79EF10BBD040}" type="slidenum">
               <a:rPr lang="en-GB" smtClean="0"/>
-              <a:t>‹N°›</a:t>
+              <a:t>‹#›</a:t>
             </a:fld>
             <a:endParaRPr lang="en-GB" dirty="0"/>
           </a:p>
@@ -1251,7 +1251,7 @@
           <a:p>
             <a:fld id="{9D7F7A4F-C86B-4E97-8396-79EF10BBD040}" type="slidenum">
               <a:rPr lang="en-GB" smtClean="0"/>
-              <a:t>‹N°›</a:t>
+              <a:t>‹#›</a:t>
             </a:fld>
             <a:endParaRPr lang="en-GB" dirty="0"/>
           </a:p>
@@ -1483,7 +1483,7 @@
           <a:p>
             <a:fld id="{9D7F7A4F-C86B-4E97-8396-79EF10BBD040}" type="slidenum">
               <a:rPr lang="en-GB" smtClean="0"/>
-              <a:t>‹N°›</a:t>
+              <a:t>‹#›</a:t>
             </a:fld>
             <a:endParaRPr lang="en-GB" dirty="0"/>
           </a:p>
@@ -1850,7 +1850,7 @@
           <a:p>
             <a:fld id="{9D7F7A4F-C86B-4E97-8396-79EF10BBD040}" type="slidenum">
               <a:rPr lang="en-GB" smtClean="0"/>
-              <a:t>‹N°›</a:t>
+              <a:t>‹#›</a:t>
             </a:fld>
             <a:endParaRPr lang="en-GB" dirty="0"/>
           </a:p>
@@ -1968,7 +1968,7 @@
           <a:p>
             <a:fld id="{9D7F7A4F-C86B-4E97-8396-79EF10BBD040}" type="slidenum">
               <a:rPr lang="en-GB" smtClean="0"/>
-              <a:t>‹N°›</a:t>
+              <a:t>‹#›</a:t>
             </a:fld>
             <a:endParaRPr lang="en-GB" dirty="0"/>
           </a:p>
@@ -2063,7 +2063,7 @@
           <a:p>
             <a:fld id="{9D7F7A4F-C86B-4E97-8396-79EF10BBD040}" type="slidenum">
               <a:rPr lang="en-GB" smtClean="0"/>
-              <a:t>‹N°›</a:t>
+              <a:t>‹#›</a:t>
             </a:fld>
             <a:endParaRPr lang="en-GB" dirty="0"/>
           </a:p>
@@ -2340,7 +2340,7 @@
           <a:p>
             <a:fld id="{9D7F7A4F-C86B-4E97-8396-79EF10BBD040}" type="slidenum">
               <a:rPr lang="en-GB" smtClean="0"/>
-              <a:t>‹N°›</a:t>
+              <a:t>‹#›</a:t>
             </a:fld>
             <a:endParaRPr lang="en-GB" dirty="0"/>
           </a:p>
@@ -2593,7 +2593,7 @@
           <a:p>
             <a:fld id="{9D7F7A4F-C86B-4E97-8396-79EF10BBD040}" type="slidenum">
               <a:rPr lang="en-GB" smtClean="0"/>
-              <a:t>‹N°›</a:t>
+              <a:t>‹#›</a:t>
             </a:fld>
             <a:endParaRPr lang="en-GB" dirty="0"/>
           </a:p>
@@ -2842,7 +2842,7 @@
           <a:p>
             <a:fld id="{9D7F7A4F-C86B-4E97-8396-79EF10BBD040}" type="slidenum">
               <a:rPr lang="en-GB" smtClean="0"/>
-              <a:t>‹N°›</a:t>
+              <a:t>‹#›</a:t>
             </a:fld>
             <a:endParaRPr lang="en-GB" dirty="0"/>
           </a:p>
@@ -3254,11 +3254,11 @@
               </a:lnSpc>
             </a:pPr>
             <a:r>
-              <a:rPr lang="en-GB" sz="2400" dirty="0" err="1" smtClean="0"/>
+              <a:rPr lang="en-GB" sz="2400" dirty="0" err="1"/>
               <a:t>Veuillez</a:t>
             </a:r>
             <a:r>
-              <a:rPr lang="en-GB" sz="2400" dirty="0" smtClean="0"/>
+              <a:rPr lang="en-GB" sz="2400" dirty="0"/>
               <a:t> lire </a:t>
             </a:r>
             <a:r>
@@ -3473,7 +3473,7 @@
               </a:spcAft>
             </a:pPr>
             <a:r>
-              <a:rPr lang="fr-FR" sz="2400" dirty="0" smtClean="0"/>
+              <a:rPr lang="fr-FR" sz="2400" dirty="0"/>
               <a:t>Si le score cible est élevé, vous aurez sûrement besoin de visualiser les chiffres de la grille un grand nombre de fois.</a:t>
             </a:r>
           </a:p>
@@ -3484,10 +3484,9 @@
               </a:spcAft>
             </a:pPr>
             <a:r>
-              <a:rPr lang="fr-FR" sz="2400" dirty="0" smtClean="0"/>
+              <a:rPr lang="fr-FR" sz="2400" dirty="0"/>
               <a:t>Vous pourrez déplacer la barre vers la gauche et la droite en utilisant respectivement les flèches gauche et droite du clavier:</a:t>
             </a:r>
-            <a:endParaRPr lang="fr-FR" sz="2400" dirty="0"/>
           </a:p>
         </p:txBody>
       </p:sp>
@@ -9290,15 +9289,7 @@
             </a:pPr>
             <a:r>
               <a:rPr lang="fr-FR" sz="2400" dirty="0"/>
-              <a:t>Sinon, vous pourrez </a:t>
-            </a:r>
-            <a:r>
-              <a:rPr lang="fr-FR" sz="2400" dirty="0" smtClean="0"/>
-              <a:t>cliquez </a:t>
-            </a:r>
-            <a:r>
-              <a:rPr lang="fr-FR" sz="2400" dirty="0"/>
-              <a:t>sur le bouton « Non » et passer à</a:t>
+              <a:t>Sinon, vous pourrez cliquez sur le bouton « Non » et passer à</a:t>
             </a:r>
             <a:r>
               <a:rPr lang="en-GB" sz="2400" dirty="0"/>
@@ -9434,7 +9425,7 @@
             </a:pPr>
             <a:r>
               <a:rPr lang="fr-FR" sz="2400" dirty="0"/>
-              <a:t>Note: vous avez 5 secondes seulement pour répondre, après quoi la phase de </a:t>
+              <a:t>Note: vous avez 5 secondes seulement pour répondre, après quoi la </a:t>
             </a:r>
             <a:r>
               <a:rPr lang="en-GB" sz="2400" dirty="0"/>
@@ -10454,15 +10445,7 @@
             </a:pPr>
             <a:r>
               <a:rPr lang="fr-FR" sz="2400" dirty="0"/>
-              <a:t>Vous pourrez alors cliquer sur le bouton « Montrez-moi la prochaine paire », en </a:t>
-            </a:r>
-            <a:r>
-              <a:rPr lang="fr-FR" sz="2400" dirty="0" smtClean="0"/>
-              <a:t>bas de </a:t>
-            </a:r>
-            <a:r>
-              <a:rPr lang="fr-FR" sz="2400" dirty="0"/>
-              <a:t>la grille:</a:t>
+              <a:t>Vous pourrez alors cliquer sur le bouton « Montrez-moi la prochaine paire », en bas de la grille:</a:t>
             </a:r>
             <a:endParaRPr lang="fr-FR" sz="2400" b="1" dirty="0"/>
           </a:p>
@@ -12105,7 +12088,15 @@
             </a:r>
             <a:r>
               <a:rPr lang="en-GB" sz="2400" dirty="0"/>
-              <a:t> exercise de </a:t>
+              <a:t> </a:t>
+            </a:r>
+            <a:r>
+              <a:rPr lang="en-GB" sz="2400" dirty="0" err="1"/>
+              <a:t>exercice</a:t>
+            </a:r>
+            <a:r>
+              <a:rPr lang="en-GB" sz="2400" dirty="0"/>
+              <a:t> de </a:t>
             </a:r>
             <a:r>
               <a:rPr lang="en-GB" sz="2400" dirty="0" err="1"/>
@@ -12145,15 +12136,7 @@
             </a:r>
             <a:r>
               <a:rPr lang="en-GB" sz="2400" dirty="0"/>
-              <a:t> de </a:t>
-            </a:r>
-            <a:r>
-              <a:rPr lang="en-GB" sz="2400" dirty="0" err="1"/>
-              <a:t>chiffres</a:t>
-            </a:r>
-            <a:r>
-              <a:rPr lang="en-GB" sz="2400" dirty="0"/>
-              <a:t> </a:t>
+              <a:t> de chiffres </a:t>
             </a:r>
             <a:r>
               <a:rPr lang="en-GB" sz="2400" dirty="0" err="1"/>
@@ -13738,11 +13721,7 @@
               </a:r>
               <a:r>
                 <a:rPr lang="en-GB" sz="2400" dirty="0"/>
-                <a:t> </a:t>
-              </a:r>
-              <a:r>
-                <a:rPr lang="en-GB" sz="2400" dirty="0" smtClean="0"/>
-                <a:t>25 </a:t>
+                <a:t> 25 </a:t>
               </a:r>
               <a:r>
                 <a:rPr lang="en-GB" sz="2400" dirty="0" err="1"/>
@@ -13753,14 +13732,13 @@
                 <a:t> de </a:t>
               </a:r>
               <a:r>
-                <a:rPr lang="en-GB" sz="2400" dirty="0" err="1" smtClean="0"/>
+                <a:rPr lang="en-GB" sz="2400" dirty="0" err="1"/>
                 <a:t>mémorisation</a:t>
               </a:r>
               <a:r>
-                <a:rPr lang="en-GB" sz="2400" dirty="0" smtClean="0"/>
+                <a:rPr lang="en-GB" sz="2400" dirty="0"/>
                 <a:t>.</a:t>
               </a:r>
-              <a:endParaRPr lang="en-GB" sz="2400" dirty="0"/>
             </a:p>
             <a:p>
               <a:pPr algn="ctr"/>
@@ -13777,12 +13755,8 @@
                 <a:t>mémorisation</a:t>
               </a:r>
               <a:r>
-                <a:rPr lang="fr-FR" sz="2400" dirty="0" smtClean="0"/>
-                <a:t> </a:t>
-              </a:r>
-              <a:r>
                 <a:rPr lang="fr-FR" sz="2400" dirty="0"/>
-                <a:t>comprend 6 étapes :</a:t>
+                <a:t> comprend 6 étapes :</a:t>
               </a:r>
             </a:p>
             <a:p>
@@ -13866,67 +13840,67 @@
             <a:p>
               <a:pPr algn="ctr"/>
               <a:r>
-                <a:rPr lang="en-GB" sz="2400" dirty="0" err="1" smtClean="0"/>
+                <a:rPr lang="en-GB" sz="2400" dirty="0" err="1"/>
                 <a:t>Relisez</a:t>
               </a:r>
               <a:r>
-                <a:rPr lang="en-GB" sz="2400" dirty="0" smtClean="0"/>
+                <a:rPr lang="en-GB" sz="2400" dirty="0"/>
                 <a:t> </a:t>
               </a:r>
               <a:r>
-                <a:rPr lang="en-GB" sz="2400" dirty="0" err="1" smtClean="0"/>
+                <a:rPr lang="en-GB" sz="2400" dirty="0" err="1"/>
                 <a:t>ces</a:t>
               </a:r>
               <a:r>
-                <a:rPr lang="en-GB" sz="2400" dirty="0" smtClean="0"/>
+                <a:rPr lang="en-GB" sz="2400" dirty="0"/>
                 <a:t> instructions </a:t>
               </a:r>
               <a:r>
-                <a:rPr lang="en-GB" sz="2400" dirty="0" err="1" smtClean="0"/>
+                <a:rPr lang="en-GB" sz="2400" dirty="0" err="1"/>
                 <a:t>jusqu’à</a:t>
               </a:r>
               <a:r>
-                <a:rPr lang="en-GB" sz="2400" dirty="0" smtClean="0"/>
+                <a:rPr lang="en-GB" sz="2400" dirty="0"/>
                 <a:t> </a:t>
               </a:r>
               <a:r>
-                <a:rPr lang="en-GB" sz="2400" dirty="0" err="1" smtClean="0"/>
+                <a:rPr lang="en-GB" sz="2400" dirty="0" err="1"/>
                 <a:t>ce</a:t>
               </a:r>
               <a:r>
-                <a:rPr lang="en-GB" sz="2400" dirty="0" smtClean="0"/>
+                <a:rPr lang="en-GB" sz="2400" dirty="0"/>
                 <a:t> </a:t>
               </a:r>
               <a:r>
-                <a:rPr lang="en-GB" sz="2400" dirty="0" err="1" smtClean="0"/>
+                <a:rPr lang="en-GB" sz="2400" dirty="0" err="1"/>
                 <a:t>qu’elles</a:t>
               </a:r>
               <a:r>
-                <a:rPr lang="en-GB" sz="2400" dirty="0" smtClean="0"/>
+                <a:rPr lang="en-GB" sz="2400" dirty="0"/>
                 <a:t> </a:t>
               </a:r>
               <a:r>
-                <a:rPr lang="en-GB" sz="2400" dirty="0" err="1" smtClean="0"/>
+                <a:rPr lang="en-GB" sz="2400" dirty="0" err="1"/>
                 <a:t>soient</a:t>
               </a:r>
               <a:r>
-                <a:rPr lang="en-GB" sz="2400" dirty="0" smtClean="0"/>
+                <a:rPr lang="en-GB" sz="2400" dirty="0"/>
                 <a:t> </a:t>
               </a:r>
               <a:r>
-                <a:rPr lang="en-GB" sz="2400" dirty="0" err="1" smtClean="0"/>
+                <a:rPr lang="en-GB" sz="2400" dirty="0" err="1"/>
                 <a:t>parfaitement</a:t>
               </a:r>
               <a:r>
-                <a:rPr lang="en-GB" sz="2400" dirty="0" smtClean="0"/>
+                <a:rPr lang="en-GB" sz="2400" dirty="0"/>
                 <a:t> </a:t>
               </a:r>
               <a:r>
-                <a:rPr lang="en-GB" sz="2400" dirty="0" err="1" smtClean="0"/>
+                <a:rPr lang="en-GB" sz="2400" dirty="0" err="1"/>
                 <a:t>claires</a:t>
               </a:r>
               <a:r>
-                <a:rPr lang="en-GB" sz="2400" dirty="0" smtClean="0"/>
+                <a:rPr lang="en-GB" sz="2400" dirty="0"/>
                 <a:t>.</a:t>
               </a:r>
             </a:p>

--- a/src/SE_glioma/Stimuli/Instructions_new_patient.pptx
+++ b/src/SE_glioma/Stimuli/Instructions_new_patient.pptx
@@ -11696,19 +11696,11 @@
             </a:r>
             <a:r>
               <a:rPr lang="en-GB" sz="2400" dirty="0" err="1"/>
-              <a:t>erronné</a:t>
-            </a:r>
-            <a:r>
-              <a:rPr lang="en-GB" sz="2400" dirty="0"/>
-              <a:t>, </a:t>
-            </a:r>
-            <a:r>
-              <a:rPr lang="en-GB" sz="2400" dirty="0" err="1"/>
-              <a:t>il</a:t>
-            </a:r>
-            <a:r>
-              <a:rPr lang="en-GB" sz="2400" dirty="0"/>
-              <a:t> sera </a:t>
+              <a:t>erroné</a:t>
+            </a:r>
+            <a:r>
+              <a:rPr lang="en-GB" sz="2400" dirty="0"/>
+              <a:t>, il sera </a:t>
             </a:r>
             <a:r>
               <a:rPr lang="en-GB" sz="2400" dirty="0" err="1"/>

--- a/src/SE_glioma/Stimuli/Instructions_new_patient.pptx
+++ b/src/SE_glioma/Stimuli/Instructions_new_patient.pptx
@@ -13725,7 +13725,7 @@
               </a:r>
               <a:r>
                 <a:rPr lang="en-GB" sz="2400" dirty="0" err="1"/>
-                <a:t>mémorisation</a:t>
+                <a:t>mémoire</a:t>
               </a:r>
               <a:r>
                 <a:rPr lang="en-GB" sz="2400" dirty="0"/>
@@ -13744,7 +13744,7 @@
               </a:r>
               <a:r>
                 <a:rPr lang="en-GB" sz="2400" dirty="0" err="1"/>
-                <a:t>mémorisation</a:t>
+                <a:t>mémoire</a:t>
               </a:r>
               <a:r>
                 <a:rPr lang="fr-FR" sz="2400" dirty="0"/>
